--- a/doc/presentation/pre.pptx
+++ b/doc/presentation/pre.pptx
@@ -10,11 +10,9 @@
     <p:sldId id="265" r:id="rId4"/>
     <p:sldId id="258" r:id="rId5"/>
     <p:sldId id="264" r:id="rId6"/>
-    <p:sldId id="260" r:id="rId7"/>
-    <p:sldId id="261" r:id="rId8"/>
-    <p:sldId id="263" r:id="rId9"/>
-    <p:sldId id="262" r:id="rId10"/>
-    <p:sldId id="259" r:id="rId11"/>
+    <p:sldId id="266" r:id="rId7"/>
+    <p:sldId id="267" r:id="rId8"/>
+    <p:sldId id="259" r:id="rId9"/>
   </p:sldIdLst>
   <p:sldSz cx="12192000" cy="6858000"/>
   <p:notesSz cx="6858000" cy="9144000"/>
@@ -3895,10 +3893,15 @@
             <p:ph type="subTitle" idx="1"/>
           </p:nvPr>
         </p:nvSpPr>
-        <p:spPr/>
+        <p:spPr>
+          <a:xfrm>
+            <a:off x="2679906" y="3956279"/>
+            <a:ext cx="6831673" cy="1640957"/>
+          </a:xfrm>
+        </p:spPr>
         <p:txBody>
           <a:bodyPr>
-            <a:normAutofit fontScale="92500" lnSpcReduction="10000"/>
+            <a:normAutofit lnSpcReduction="10000"/>
           </a:bodyPr>
           <a:lstStyle/>
           <a:p>
@@ -3916,15 +3919,25 @@
             </a:r>
             <a:r>
               <a:rPr lang="en-US" dirty="0"/>
-              <a:t> Li, Cong Ma, </a:t>
-            </a:r>
-            <a:r>
-              <a:rPr lang="en-US" dirty="0" err="1"/>
+              <a:t> Li, Cong </a:t>
+            </a:r>
+            <a:r>
+              <a:rPr lang="en-US" dirty="0" smtClean="0"/>
+              <a:t>Ma</a:t>
+            </a:r>
+          </a:p>
+          <a:p>
+            <a:r>
+              <a:rPr lang="en-US" dirty="0" err="1" smtClean="0"/>
               <a:t>Qingcan</a:t>
             </a:r>
             <a:r>
+              <a:rPr lang="en-US" dirty="0" smtClean="0"/>
+              <a:t> </a:t>
+            </a:r>
+            <a:r>
               <a:rPr lang="en-US" dirty="0"/>
-              <a:t> Wang, </a:t>
+              <a:t>Wang, </a:t>
             </a:r>
             <a:r>
               <a:rPr lang="en-US" dirty="0" err="1"/>
@@ -3938,6 +3951,10 @@
               <a:rPr lang="en-US" dirty="0" smtClean="0"/>
               <a:t>Zhang</a:t>
             </a:r>
+            <a:endParaRPr lang="en-US" altLang="zh-CN" dirty="0" smtClean="0"/>
+          </a:p>
+          <a:p>
+            <a:endParaRPr lang="en-US" altLang="zh-CN" dirty="0" smtClean="0"/>
           </a:p>
           <a:p>
             <a:r>
@@ -3974,166 +3991,13 @@
   <p:clrMapOvr>
     <a:masterClrMapping/>
   </p:clrMapOvr>
-</p:sld>
-</file>
-
-<file path=ppt/slides/slide10.xml><?xml version="1.0" encoding="utf-8"?>
-<p:sld xmlns:a="http://schemas.openxmlformats.org/drawingml/2006/main" xmlns:r="http://schemas.openxmlformats.org/officeDocument/2006/relationships" xmlns:p="http://schemas.openxmlformats.org/presentationml/2006/main">
-  <p:cSld>
-    <p:spTree>
-      <p:nvGrpSpPr>
-        <p:cNvPr id="1" name=""/>
-        <p:cNvGrpSpPr/>
-        <p:nvPr/>
-      </p:nvGrpSpPr>
-      <p:grpSpPr>
-        <a:xfrm>
-          <a:off x="0" y="0"/>
-          <a:ext cx="0" cy="0"/>
-          <a:chOff x="0" y="0"/>
-          <a:chExt cx="0" cy="0"/>
-        </a:xfrm>
-      </p:grpSpPr>
-      <p:sp>
-        <p:nvSpPr>
-          <p:cNvPr id="2" name="Title 1"/>
-          <p:cNvSpPr>
-            <a:spLocks noGrp="1"/>
-          </p:cNvSpPr>
-          <p:nvPr>
-            <p:ph type="title"/>
-          </p:nvPr>
-        </p:nvSpPr>
-        <p:spPr/>
-        <p:txBody>
-          <a:bodyPr/>
-          <a:lstStyle/>
-          <a:p>
-            <a:r>
-              <a:rPr lang="en-US" altLang="zh-CN" dirty="0" smtClean="0"/>
-              <a:t>Summary</a:t>
-            </a:r>
-            <a:endParaRPr lang="en-US" dirty="0"/>
-          </a:p>
-        </p:txBody>
-      </p:sp>
-      <p:sp>
-        <p:nvSpPr>
-          <p:cNvPr id="3" name="Content Placeholder 2"/>
-          <p:cNvSpPr>
-            <a:spLocks noGrp="1"/>
-          </p:cNvSpPr>
-          <p:nvPr>
-            <p:ph idx="1"/>
-          </p:nvPr>
-        </p:nvSpPr>
-        <p:spPr/>
-        <p:txBody>
-          <a:bodyPr/>
-          <a:lstStyle/>
-          <a:p>
-            <a:r>
-              <a:rPr lang="en-US" altLang="zh-CN" dirty="0" smtClean="0"/>
-              <a:t>Coding</a:t>
-            </a:r>
-            <a:r>
-              <a:rPr lang="zh-CN" altLang="en-US" dirty="0" smtClean="0"/>
-              <a:t> </a:t>
-            </a:r>
-            <a:r>
-              <a:rPr lang="en-US" altLang="zh-CN" dirty="0"/>
-              <a:t>c</a:t>
-            </a:r>
-            <a:r>
-              <a:rPr lang="en-US" altLang="zh-CN" dirty="0" smtClean="0"/>
-              <a:t>ollaboration</a:t>
-            </a:r>
-            <a:r>
-              <a:rPr lang="zh-CN" altLang="en-US" dirty="0" smtClean="0"/>
-              <a:t> </a:t>
-            </a:r>
-            <a:r>
-              <a:rPr lang="en-US" altLang="zh-CN" dirty="0" smtClean="0"/>
-              <a:t>in</a:t>
-            </a:r>
-            <a:r>
-              <a:rPr lang="zh-CN" altLang="en-US" dirty="0" smtClean="0"/>
-              <a:t> </a:t>
-            </a:r>
-            <a:r>
-              <a:rPr lang="en-US" altLang="zh-CN" dirty="0" smtClean="0"/>
-              <a:t>group</a:t>
-            </a:r>
-          </a:p>
-          <a:p>
-            <a:r>
-              <a:rPr lang="en-US" altLang="zh-CN" dirty="0" smtClean="0"/>
-              <a:t>Various</a:t>
-            </a:r>
-            <a:r>
-              <a:rPr lang="zh-CN" altLang="en-US" dirty="0" smtClean="0"/>
-              <a:t> </a:t>
-            </a:r>
-            <a:r>
-              <a:rPr lang="en-US" altLang="zh-CN" dirty="0" smtClean="0"/>
-              <a:t>languages,</a:t>
-            </a:r>
-            <a:r>
-              <a:rPr lang="zh-CN" altLang="en-US" dirty="0" smtClean="0"/>
-              <a:t> </a:t>
-            </a:r>
-            <a:r>
-              <a:rPr lang="en-US" altLang="zh-CN" dirty="0"/>
-              <a:t>U</a:t>
-            </a:r>
-            <a:r>
-              <a:rPr lang="en-US" altLang="zh-CN" dirty="0" smtClean="0"/>
-              <a:t>nix</a:t>
-            </a:r>
-            <a:r>
-              <a:rPr lang="zh-CN" altLang="en-US" dirty="0" smtClean="0"/>
-              <a:t> </a:t>
-            </a:r>
-            <a:r>
-              <a:rPr lang="en-US" altLang="zh-CN" dirty="0" smtClean="0"/>
-              <a:t>tools</a:t>
-            </a:r>
-          </a:p>
-          <a:p>
-            <a:r>
-              <a:rPr lang="en-US" altLang="zh-CN" dirty="0" smtClean="0"/>
-              <a:t>Object</a:t>
-            </a:r>
-            <a:r>
-              <a:rPr lang="zh-CN" altLang="en-US" dirty="0" smtClean="0"/>
-              <a:t> </a:t>
-            </a:r>
-            <a:r>
-              <a:rPr lang="en-US" altLang="zh-CN" dirty="0" smtClean="0"/>
-              <a:t>oriented</a:t>
-            </a:r>
-            <a:r>
-              <a:rPr lang="zh-CN" altLang="en-US" dirty="0" smtClean="0"/>
-              <a:t> </a:t>
-            </a:r>
-            <a:r>
-              <a:rPr lang="en-US" altLang="zh-CN" dirty="0" smtClean="0"/>
-              <a:t>programming</a:t>
-            </a:r>
-            <a:endParaRPr lang="en-US" dirty="0"/>
-          </a:p>
-        </p:txBody>
-      </p:sp>
-    </p:spTree>
-    <p:extLst>
-      <p:ext uri="{BB962C8B-B14F-4D97-AF65-F5344CB8AC3E}">
-        <p14:creationId xmlns:p14="http://schemas.microsoft.com/office/powerpoint/2010/main" val="1437239485"/>
-      </p:ext>
-    </p:extLst>
-  </p:cSld>
-  <p:clrMapOvr>
-    <a:masterClrMapping/>
-  </p:clrMapOvr>
+  <p:timing>
+    <p:tnLst>
+      <p:par>
+        <p:cTn id="1" dur="indefinite" restart="never" nodeType="tmRoot"/>
+      </p:par>
+    </p:tnLst>
+  </p:timing>
 </p:sld>
 </file>
 
@@ -4171,7 +4035,7 @@
           <a:p>
             <a:r>
               <a:rPr lang="en-US" altLang="zh-CN" dirty="0" smtClean="0"/>
-              <a:t>Problem</a:t>
+              <a:t>Project</a:t>
             </a:r>
             <a:r>
               <a:rPr lang="zh-CN" altLang="en-US" dirty="0" smtClean="0"/>
@@ -4195,9 +4059,16 @@
             <p:ph idx="1"/>
           </p:nvPr>
         </p:nvSpPr>
-        <p:spPr/>
-        <p:txBody>
-          <a:bodyPr/>
+        <p:spPr>
+          <a:xfrm>
+            <a:off x="1371600" y="1496291"/>
+            <a:ext cx="4821382" cy="4946073"/>
+          </a:xfrm>
+        </p:spPr>
+        <p:txBody>
+          <a:bodyPr>
+            <a:normAutofit/>
+          </a:bodyPr>
           <a:lstStyle/>
           <a:p>
             <a:r>
@@ -4334,84 +4205,84 @@
             </a:r>
           </a:p>
           <a:p>
+            <a:endParaRPr lang="en-US" altLang="zh-CN" dirty="0"/>
+          </a:p>
+          <a:p>
+            <a:r>
+              <a:rPr lang="en-US" altLang="zh-CN" dirty="0" smtClean="0"/>
+              <a:t>We</a:t>
+            </a:r>
+            <a:r>
+              <a:rPr lang="zh-CN" altLang="en-US" dirty="0" smtClean="0"/>
+              <a:t> </a:t>
+            </a:r>
+            <a:r>
+              <a:rPr lang="en-US" altLang="zh-CN" dirty="0" smtClean="0"/>
+              <a:t>choose</a:t>
+            </a:r>
+            <a:r>
+              <a:rPr lang="zh-CN" altLang="en-US" dirty="0" smtClean="0"/>
+              <a:t> </a:t>
+            </a:r>
+            <a:r>
+              <a:rPr lang="en-US" altLang="zh-CN" dirty="0" smtClean="0"/>
+              <a:t>Python</a:t>
+            </a:r>
+            <a:r>
+              <a:rPr lang="zh-CN" altLang="en-US" dirty="0" smtClean="0"/>
+              <a:t> </a:t>
+            </a:r>
+            <a:r>
+              <a:rPr lang="en-US" altLang="zh-CN" dirty="0" smtClean="0"/>
+              <a:t>since</a:t>
+            </a:r>
+            <a:r>
+              <a:rPr lang="zh-CN" altLang="en-US" dirty="0" smtClean="0"/>
+              <a:t> </a:t>
+            </a:r>
+            <a:r>
+              <a:rPr lang="en-US" altLang="zh-CN" dirty="0" smtClean="0"/>
+              <a:t>it’s</a:t>
+            </a:r>
+            <a:r>
+              <a:rPr lang="zh-CN" altLang="en-US" dirty="0" smtClean="0"/>
+              <a:t> </a:t>
+            </a:r>
+            <a:r>
+              <a:rPr lang="en-US" altLang="zh-CN" dirty="0" smtClean="0"/>
+              <a:t>free,</a:t>
+            </a:r>
+            <a:r>
+              <a:rPr lang="zh-CN" altLang="en-US" dirty="0" smtClean="0"/>
+              <a:t> </a:t>
+            </a:r>
+            <a:r>
+              <a:rPr lang="en-US" altLang="zh-CN" dirty="0" smtClean="0"/>
+              <a:t>and</a:t>
+            </a:r>
+            <a:r>
+              <a:rPr lang="zh-CN" altLang="en-US" dirty="0" smtClean="0"/>
+              <a:t> </a:t>
+            </a:r>
+            <a:r>
+              <a:rPr lang="en-US" altLang="zh-CN" dirty="0" smtClean="0"/>
+              <a:t>widely</a:t>
+            </a:r>
+            <a:r>
+              <a:rPr lang="zh-CN" altLang="en-US" dirty="0" smtClean="0"/>
+              <a:t> </a:t>
+            </a:r>
+            <a:r>
+              <a:rPr lang="en-US" altLang="zh-CN" dirty="0" smtClean="0"/>
+              <a:t>distributed.</a:t>
+            </a:r>
+            <a:r>
+              <a:rPr lang="zh-CN" altLang="en-US" dirty="0" smtClean="0"/>
+              <a:t> </a:t>
+            </a:r>
             <a:endParaRPr lang="en-US" altLang="zh-CN" dirty="0" smtClean="0"/>
           </a:p>
           <a:p>
-            <a:endParaRPr lang="en-US" altLang="zh-CN" dirty="0"/>
-          </a:p>
-          <a:p>
-            <a:r>
-              <a:rPr lang="en-US" altLang="zh-CN" dirty="0" smtClean="0"/>
-              <a:t>We</a:t>
-            </a:r>
-            <a:r>
-              <a:rPr lang="zh-CN" altLang="en-US" dirty="0" smtClean="0"/>
-              <a:t> </a:t>
-            </a:r>
-            <a:r>
-              <a:rPr lang="en-US" altLang="zh-CN" dirty="0" smtClean="0"/>
-              <a:t>choose</a:t>
-            </a:r>
-            <a:r>
-              <a:rPr lang="zh-CN" altLang="en-US" dirty="0" smtClean="0"/>
-              <a:t> </a:t>
-            </a:r>
-            <a:r>
-              <a:rPr lang="en-US" altLang="zh-CN" dirty="0" smtClean="0"/>
-              <a:t>Python</a:t>
-            </a:r>
-            <a:r>
-              <a:rPr lang="zh-CN" altLang="en-US" dirty="0" smtClean="0"/>
-              <a:t> </a:t>
-            </a:r>
-            <a:r>
-              <a:rPr lang="en-US" altLang="zh-CN" dirty="0" smtClean="0"/>
-              <a:t>since</a:t>
-            </a:r>
-            <a:r>
-              <a:rPr lang="zh-CN" altLang="en-US" dirty="0" smtClean="0"/>
-              <a:t> </a:t>
-            </a:r>
-            <a:r>
-              <a:rPr lang="en-US" altLang="zh-CN" dirty="0" smtClean="0"/>
-              <a:t>it’s</a:t>
-            </a:r>
-            <a:r>
-              <a:rPr lang="zh-CN" altLang="en-US" dirty="0" smtClean="0"/>
-              <a:t> </a:t>
-            </a:r>
-            <a:r>
-              <a:rPr lang="en-US" altLang="zh-CN" dirty="0" smtClean="0"/>
-              <a:t>free,</a:t>
-            </a:r>
-            <a:r>
-              <a:rPr lang="zh-CN" altLang="en-US" dirty="0" smtClean="0"/>
-              <a:t> </a:t>
-            </a:r>
-            <a:r>
-              <a:rPr lang="en-US" altLang="zh-CN" dirty="0" smtClean="0"/>
-              <a:t>and</a:t>
-            </a:r>
-            <a:r>
-              <a:rPr lang="zh-CN" altLang="en-US" dirty="0" smtClean="0"/>
-              <a:t> </a:t>
-            </a:r>
-            <a:r>
-              <a:rPr lang="en-US" altLang="zh-CN" dirty="0" smtClean="0"/>
-              <a:t>widely</a:t>
-            </a:r>
-            <a:r>
-              <a:rPr lang="zh-CN" altLang="en-US" dirty="0" smtClean="0"/>
-              <a:t> </a:t>
-            </a:r>
-            <a:r>
-              <a:rPr lang="en-US" altLang="zh-CN" dirty="0" smtClean="0"/>
-              <a:t>distributed.</a:t>
-            </a:r>
-            <a:r>
-              <a:rPr lang="zh-CN" altLang="en-US" dirty="0" smtClean="0"/>
-              <a:t> </a:t>
-            </a:r>
             <a:r>
               <a:rPr lang="en-US" altLang="zh-CN" dirty="0" smtClean="0"/>
               <a:t>There</a:t>
@@ -4510,7 +4381,23 @@
             </a:r>
             <a:r>
               <a:rPr lang="en-US" altLang="zh-CN" dirty="0" smtClean="0"/>
-              <a:t>computation)</a:t>
+              <a:t>computation),</a:t>
+            </a:r>
+            <a:r>
+              <a:rPr lang="zh-CN" altLang="en-US" dirty="0" smtClean="0"/>
+              <a:t> </a:t>
+            </a:r>
+            <a:r>
+              <a:rPr lang="en-US" altLang="zh-CN" dirty="0" err="1" smtClean="0"/>
+              <a:t>pyplot</a:t>
+            </a:r>
+            <a:r>
+              <a:rPr lang="zh-CN" altLang="en-US" dirty="0" smtClean="0"/>
+              <a:t> </a:t>
+            </a:r>
+            <a:r>
+              <a:rPr lang="en-US" altLang="zh-CN" dirty="0" smtClean="0"/>
+              <a:t>(visualization)</a:t>
             </a:r>
           </a:p>
           <a:p>
@@ -4602,6 +4489,130 @@
             </a:r>
           </a:p>
           <a:p>
+            <a:endParaRPr lang="en-US" dirty="0"/>
+          </a:p>
+        </p:txBody>
+      </p:sp>
+      <p:pic>
+        <p:nvPicPr>
+          <p:cNvPr id="4" name="Picture 3"/>
+          <p:cNvPicPr>
+            <a:picLocks noChangeAspect="1"/>
+          </p:cNvPicPr>
+          <p:nvPr/>
+        </p:nvPicPr>
+        <p:blipFill>
+          <a:blip r:embed="rId2">
+            <a:extLst>
+              <a:ext uri="{28A0092B-C50C-407E-A947-70E740481C1C}">
+                <a14:useLocalDpi xmlns:a14="http://schemas.microsoft.com/office/drawing/2010/main" val="0"/>
+              </a:ext>
+            </a:extLst>
+          </a:blip>
+          <a:stretch>
+            <a:fillRect/>
+          </a:stretch>
+        </p:blipFill>
+        <p:spPr>
+          <a:xfrm>
+            <a:off x="6192982" y="1658507"/>
+            <a:ext cx="5626100" cy="2921000"/>
+          </a:xfrm>
+          <a:prstGeom prst="rect">
+            <a:avLst/>
+          </a:prstGeom>
+        </p:spPr>
+      </p:pic>
+      <p:sp>
+        <p:nvSpPr>
+          <p:cNvPr id="5" name="TextBox 4"/>
+          <p:cNvSpPr txBox="1"/>
+          <p:nvPr/>
+        </p:nvSpPr>
+        <p:spPr>
+          <a:xfrm>
+            <a:off x="6122075" y="4731802"/>
+            <a:ext cx="5767914" cy="369332"/>
+          </a:xfrm>
+          <a:prstGeom prst="rect">
+            <a:avLst/>
+          </a:prstGeom>
+          <a:noFill/>
+        </p:spPr>
+        <p:txBody>
+          <a:bodyPr wrap="square" rtlCol="0">
+            <a:spAutoFit/>
+          </a:bodyPr>
+          <a:lstStyle/>
+          <a:p>
+            <a:r>
+              <a:rPr lang="en-US" altLang="zh-CN" dirty="0" smtClean="0"/>
+              <a:t>USD</a:t>
+            </a:r>
+            <a:r>
+              <a:rPr lang="zh-CN" altLang="en-US" dirty="0" smtClean="0"/>
+              <a:t> </a:t>
+            </a:r>
+            <a:r>
+              <a:rPr lang="en-US" altLang="zh-CN" dirty="0" smtClean="0"/>
+              <a:t>to</a:t>
+            </a:r>
+            <a:r>
+              <a:rPr lang="zh-CN" altLang="en-US" dirty="0" smtClean="0"/>
+              <a:t> </a:t>
+            </a:r>
+            <a:r>
+              <a:rPr lang="en-US" altLang="zh-CN" dirty="0" smtClean="0"/>
+              <a:t>CNY</a:t>
+            </a:r>
+            <a:r>
+              <a:rPr lang="zh-CN" altLang="en-US" dirty="0" smtClean="0"/>
+              <a:t> </a:t>
+            </a:r>
+            <a:r>
+              <a:rPr lang="en-US" altLang="zh-CN" dirty="0" smtClean="0"/>
+              <a:t>exchange</a:t>
+            </a:r>
+            <a:r>
+              <a:rPr lang="zh-CN" altLang="en-US" dirty="0" smtClean="0"/>
+              <a:t> </a:t>
+            </a:r>
+            <a:r>
+              <a:rPr lang="en-US" altLang="zh-CN" dirty="0" smtClean="0"/>
+              <a:t>rate,</a:t>
+            </a:r>
+            <a:r>
+              <a:rPr lang="zh-CN" altLang="en-US" dirty="0" smtClean="0"/>
+              <a:t> </a:t>
+            </a:r>
+            <a:r>
+              <a:rPr lang="en-US" altLang="zh-CN" dirty="0" smtClean="0"/>
+              <a:t>Nov</a:t>
+            </a:r>
+            <a:r>
+              <a:rPr lang="zh-CN" altLang="en-US" dirty="0" smtClean="0"/>
+              <a:t>  </a:t>
+            </a:r>
+            <a:r>
+              <a:rPr lang="en-US" altLang="zh-CN" dirty="0" smtClean="0"/>
+              <a:t>2015-Nov</a:t>
+            </a:r>
+            <a:r>
+              <a:rPr lang="zh-CN" altLang="en-US" dirty="0" smtClean="0"/>
+              <a:t> </a:t>
+            </a:r>
+            <a:r>
+              <a:rPr lang="en-US" altLang="zh-CN" dirty="0" smtClean="0"/>
+              <a:t>2016.</a:t>
+            </a:r>
+            <a:r>
+              <a:rPr lang="zh-CN" altLang="en-US" dirty="0" smtClean="0"/>
+              <a:t> </a:t>
+            </a:r>
+            <a:r>
+              <a:rPr lang="en-US" altLang="zh-CN" dirty="0" smtClean="0"/>
+              <a:t>Yahoo</a:t>
+            </a:r>
             <a:endParaRPr lang="en-US" dirty="0"/>
           </a:p>
         </p:txBody>
@@ -4616,6 +4627,13 @@
   <p:clrMapOvr>
     <a:masterClrMapping/>
   </p:clrMapOvr>
+  <p:timing>
+    <p:tnLst>
+      <p:par>
+        <p:cTn id="1" dur="indefinite" restart="never" nodeType="tmRoot"/>
+      </p:par>
+    </p:tnLst>
+  </p:timing>
 </p:sld>
 </file>
 
@@ -4651,6 +4669,50 @@
           <a:bodyPr/>
           <a:lstStyle/>
           <a:p>
+            <a:r>
+              <a:rPr lang="en-US" altLang="zh-CN" dirty="0" smtClean="0"/>
+              <a:t>Time</a:t>
+            </a:r>
+            <a:r>
+              <a:rPr lang="zh-CN" altLang="en-US" dirty="0" smtClean="0"/>
+              <a:t> </a:t>
+            </a:r>
+            <a:r>
+              <a:rPr lang="en-US" altLang="zh-CN" dirty="0" smtClean="0"/>
+              <a:t>series</a:t>
+            </a:r>
+            <a:r>
+              <a:rPr lang="zh-CN" altLang="en-US" dirty="0" smtClean="0"/>
+              <a:t> </a:t>
+            </a:r>
+            <a:r>
+              <a:rPr lang="en-US" altLang="zh-CN" dirty="0" smtClean="0"/>
+              <a:t>analysis</a:t>
+            </a:r>
+            <a:r>
+              <a:rPr lang="zh-CN" altLang="en-US" dirty="0" smtClean="0"/>
+              <a:t> </a:t>
+            </a:r>
+            <a:r>
+              <a:rPr lang="en-US" altLang="zh-CN" dirty="0" smtClean="0"/>
+              <a:t>of</a:t>
+            </a:r>
+            <a:r>
+              <a:rPr lang="zh-CN" altLang="en-US" dirty="0" smtClean="0"/>
+              <a:t> </a:t>
+            </a:r>
+            <a:r>
+              <a:rPr lang="en-US" altLang="zh-CN" dirty="0" smtClean="0"/>
+              <a:t>financial</a:t>
+            </a:r>
+            <a:r>
+              <a:rPr lang="zh-CN" altLang="en-US" dirty="0" smtClean="0"/>
+              <a:t> </a:t>
+            </a:r>
+            <a:r>
+              <a:rPr lang="en-US" altLang="zh-CN" dirty="0" smtClean="0"/>
+              <a:t>data</a:t>
+            </a:r>
             <a:endParaRPr lang="en-US" dirty="0"/>
           </a:p>
         </p:txBody>
@@ -4669,6 +4731,13 @@
         <p:txBody>
           <a:bodyPr/>
           <a:lstStyle/>
+          <a:p>
+            <a:r>
+              <a:rPr lang="zh-CN" altLang="en-US" dirty="0" smtClean="0"/>
+              <a:t>吹水</a:t>
+            </a:r>
+            <a:endParaRPr lang="en-US" altLang="zh-CN" dirty="0" smtClean="0"/>
+          </a:p>
           <a:p>
             <a:endParaRPr lang="en-US" dirty="0"/>
           </a:p>
@@ -4684,6 +4753,13 @@
   <p:clrMapOvr>
     <a:masterClrMapping/>
   </p:clrMapOvr>
+  <p:timing>
+    <p:tnLst>
+      <p:par>
+        <p:cTn id="1" dur="indefinite" restart="never" nodeType="tmRoot"/>
+      </p:par>
+    </p:tnLst>
+  </p:timing>
 </p:sld>
 </file>
 
@@ -4759,25 +4835,35 @@
           </a:p>
         </p:txBody>
       </p:sp>
-      <p:sp>
-        <p:nvSpPr>
-          <p:cNvPr id="3" name="Content Placeholder 2"/>
-          <p:cNvSpPr>
-            <a:spLocks noGrp="1"/>
-          </p:cNvSpPr>
+      <p:pic>
+        <p:nvPicPr>
+          <p:cNvPr id="6" name="Content Placeholder 5"/>
+          <p:cNvPicPr>
+            <a:picLocks noGrp="1" noChangeAspect="1"/>
+          </p:cNvPicPr>
           <p:nvPr>
             <p:ph idx="1"/>
           </p:nvPr>
-        </p:nvSpPr>
-        <p:spPr/>
-        <p:txBody>
-          <a:bodyPr/>
-          <a:lstStyle/>
-          <a:p>
-            <a:endParaRPr lang="en-US"/>
-          </a:p>
-        </p:txBody>
-      </p:sp>
+        </p:nvPicPr>
+        <p:blipFill>
+          <a:blip r:embed="rId2">
+            <a:extLst>
+              <a:ext uri="{28A0092B-C50C-407E-A947-70E740481C1C}">
+                <a14:useLocalDpi xmlns:a14="http://schemas.microsoft.com/office/drawing/2010/main" val="0"/>
+              </a:ext>
+            </a:extLst>
+          </a:blip>
+          <a:stretch>
+            <a:fillRect/>
+          </a:stretch>
+        </p:blipFill>
+        <p:spPr>
+          <a:xfrm>
+            <a:off x="3229903" y="1620971"/>
+            <a:ext cx="5884593" cy="4813255"/>
+          </a:xfrm>
+        </p:spPr>
+      </p:pic>
     </p:spTree>
     <p:extLst>
       <p:ext uri="{BB962C8B-B14F-4D97-AF65-F5344CB8AC3E}">
@@ -4788,6 +4874,13 @@
   <p:clrMapOvr>
     <a:masterClrMapping/>
   </p:clrMapOvr>
+  <p:timing>
+    <p:tnLst>
+      <p:par>
+        <p:cTn id="1" dur="indefinite" restart="never" nodeType="tmRoot"/>
+      </p:par>
+    </p:tnLst>
+  </p:timing>
 </p:sld>
 </file>
 
@@ -4825,15 +4918,23 @@
           <a:p>
             <a:r>
               <a:rPr lang="en-US" altLang="zh-CN" dirty="0" smtClean="0"/>
-              <a:t>User</a:t>
-            </a:r>
-            <a:r>
-              <a:rPr lang="zh-CN" altLang="en-US" dirty="0" smtClean="0"/>
-              <a:t> </a:t>
-            </a:r>
-            <a:r>
-              <a:rPr lang="en-US" altLang="zh-CN" dirty="0" smtClean="0"/>
-              <a:t>interface</a:t>
+              <a:t>Python</a:t>
+            </a:r>
+            <a:r>
+              <a:rPr lang="zh-CN" altLang="en-US" dirty="0" smtClean="0"/>
+              <a:t> </a:t>
+            </a:r>
+            <a:r>
+              <a:rPr lang="en-US" altLang="zh-CN" dirty="0" smtClean="0"/>
+              <a:t>libraries,</a:t>
+            </a:r>
+            <a:r>
+              <a:rPr lang="zh-CN" altLang="en-US" dirty="0" smtClean="0"/>
+              <a:t> </a:t>
+            </a:r>
+            <a:r>
+              <a:rPr lang="en-US" altLang="zh-CN" dirty="0" smtClean="0"/>
+              <a:t>files</a:t>
             </a:r>
             <a:endParaRPr lang="en-US" dirty="0"/>
           </a:p>
@@ -4855,51 +4956,225 @@
           <a:lstStyle/>
           <a:p>
             <a:r>
-              <a:rPr lang="en-US" altLang="zh-CN" dirty="0" smtClean="0"/>
-              <a:t>Object</a:t>
-            </a:r>
-            <a:r>
-              <a:rPr lang="zh-CN" altLang="en-US" dirty="0" smtClean="0"/>
-              <a:t> </a:t>
-            </a:r>
-            <a:r>
-              <a:rPr lang="en-US" altLang="zh-CN" dirty="0" smtClean="0"/>
-              <a:t>oriented</a:t>
-            </a:r>
-            <a:r>
-              <a:rPr lang="zh-CN" altLang="en-US" dirty="0" smtClean="0"/>
-              <a:t> </a:t>
-            </a:r>
-            <a:r>
-              <a:rPr lang="en-US" altLang="zh-CN" dirty="0" smtClean="0"/>
-              <a:t>programming</a:t>
-            </a:r>
-          </a:p>
-          <a:p>
-            <a:r>
-              <a:rPr lang="en-US" altLang="zh-CN" dirty="0" smtClean="0"/>
-              <a:t>Classes:</a:t>
-            </a:r>
-            <a:r>
-              <a:rPr lang="zh-CN" altLang="en-US" dirty="0" smtClean="0"/>
-              <a:t> </a:t>
-            </a:r>
-            <a:r>
-              <a:rPr lang="en-US" altLang="zh-CN" dirty="0" smtClean="0"/>
-              <a:t>model,</a:t>
-            </a:r>
-            <a:r>
-              <a:rPr lang="zh-CN" altLang="en-US" dirty="0" smtClean="0"/>
-              <a:t> </a:t>
-            </a:r>
-            <a:r>
-              <a:rPr lang="en-US" altLang="zh-CN" dirty="0" smtClean="0"/>
-              <a:t>opt,</a:t>
-            </a:r>
-            <a:r>
-              <a:rPr lang="zh-CN" altLang="en-US" dirty="0" smtClean="0"/>
-              <a:t> </a:t>
-            </a:r>
+              <a:rPr lang="en-US" altLang="zh-CN" dirty="0" err="1" smtClean="0"/>
+              <a:t>model.py</a:t>
+            </a:r>
+            <a:r>
+              <a:rPr lang="en-US" altLang="zh-CN" dirty="0" smtClean="0"/>
+              <a:t>,</a:t>
+            </a:r>
+            <a:r>
+              <a:rPr lang="zh-CN" altLang="en-US" dirty="0" smtClean="0"/>
+              <a:t> </a:t>
+            </a:r>
+            <a:r>
+              <a:rPr lang="en-US" altLang="zh-CN" dirty="0" smtClean="0"/>
+              <a:t>Model</a:t>
+            </a:r>
+            <a:r>
+              <a:rPr lang="zh-CN" altLang="en-US" dirty="0" smtClean="0"/>
+              <a:t> </a:t>
+            </a:r>
+            <a:r>
+              <a:rPr lang="en-US" altLang="zh-CN" dirty="0" smtClean="0"/>
+              <a:t>class</a:t>
+            </a:r>
+          </a:p>
+          <a:p>
+            <a:r>
+              <a:rPr lang="en-US" altLang="zh-CN" dirty="0" err="1" smtClean="0"/>
+              <a:t>optim.py</a:t>
+            </a:r>
+            <a:r>
+              <a:rPr lang="en-US" altLang="zh-CN" dirty="0" smtClean="0"/>
+              <a:t>,</a:t>
+            </a:r>
+            <a:r>
+              <a:rPr lang="zh-CN" altLang="en-US" dirty="0" smtClean="0"/>
+              <a:t> </a:t>
+            </a:r>
+            <a:r>
+              <a:rPr lang="en-US" altLang="zh-CN" dirty="0" smtClean="0"/>
+              <a:t>optimization</a:t>
+            </a:r>
+            <a:r>
+              <a:rPr lang="zh-CN" altLang="en-US" dirty="0" smtClean="0"/>
+              <a:t> </a:t>
+            </a:r>
+            <a:r>
+              <a:rPr lang="en-US" altLang="zh-CN" dirty="0" smtClean="0"/>
+              <a:t>method</a:t>
+            </a:r>
+          </a:p>
+          <a:p>
+            <a:r>
+              <a:rPr lang="en-US" altLang="zh-CN" dirty="0" err="1" smtClean="0"/>
+              <a:t>solver.py</a:t>
+            </a:r>
+            <a:r>
+              <a:rPr lang="en-US" altLang="zh-CN" dirty="0" smtClean="0"/>
+              <a:t>,</a:t>
+            </a:r>
+            <a:r>
+              <a:rPr lang="zh-CN" altLang="en-US" dirty="0" smtClean="0"/>
+              <a:t> </a:t>
+            </a:r>
+            <a:r>
+              <a:rPr lang="en-US" altLang="zh-CN" dirty="0" smtClean="0"/>
+              <a:t>Solver</a:t>
+            </a:r>
+            <a:r>
+              <a:rPr lang="zh-CN" altLang="en-US" dirty="0" smtClean="0"/>
+              <a:t> </a:t>
+            </a:r>
+            <a:r>
+              <a:rPr lang="en-US" altLang="zh-CN" dirty="0" smtClean="0"/>
+              <a:t>class</a:t>
+            </a:r>
+          </a:p>
+          <a:p>
+            <a:r>
+              <a:rPr lang="en-US" altLang="zh-CN" dirty="0" err="1"/>
+              <a:t>i</a:t>
+            </a:r>
+            <a:r>
+              <a:rPr lang="en-US" altLang="zh-CN" dirty="0" err="1" smtClean="0"/>
+              <a:t>nference.py</a:t>
+            </a:r>
+            <a:r>
+              <a:rPr lang="en-US" altLang="zh-CN" dirty="0" smtClean="0"/>
+              <a:t>,</a:t>
+            </a:r>
+            <a:r>
+              <a:rPr lang="zh-CN" altLang="en-US" dirty="0" smtClean="0"/>
+              <a:t> </a:t>
+            </a:r>
+            <a:r>
+              <a:rPr lang="en-US" altLang="zh-CN" dirty="0" smtClean="0"/>
+              <a:t>Parameter</a:t>
+            </a:r>
+            <a:r>
+              <a:rPr lang="zh-CN" altLang="en-US" dirty="0" smtClean="0"/>
+              <a:t> </a:t>
+            </a:r>
+            <a:r>
+              <a:rPr lang="en-US" altLang="zh-CN" dirty="0" smtClean="0"/>
+              <a:t>inference</a:t>
+            </a:r>
+          </a:p>
+          <a:p>
+            <a:r>
+              <a:rPr lang="en-US" altLang="zh-CN" dirty="0" err="1" smtClean="0"/>
+              <a:t>trading.py</a:t>
+            </a:r>
+            <a:r>
+              <a:rPr lang="en-US" altLang="zh-CN" dirty="0" smtClean="0"/>
+              <a:t>,</a:t>
+            </a:r>
+            <a:r>
+              <a:rPr lang="zh-CN" altLang="en-US" dirty="0" smtClean="0"/>
+              <a:t> </a:t>
+            </a:r>
+            <a:r>
+              <a:rPr lang="en-US" altLang="zh-CN" dirty="0" smtClean="0"/>
+              <a:t>trading</a:t>
+            </a:r>
+            <a:r>
+              <a:rPr lang="zh-CN" altLang="en-US" dirty="0" smtClean="0"/>
+              <a:t> </a:t>
+            </a:r>
+            <a:r>
+              <a:rPr lang="en-US" altLang="zh-CN" dirty="0" smtClean="0"/>
+              <a:t>strategy</a:t>
+            </a:r>
+          </a:p>
+          <a:p>
+            <a:r>
+              <a:rPr lang="en-US" altLang="zh-CN" dirty="0" err="1"/>
+              <a:t>c</a:t>
+            </a:r>
+            <a:r>
+              <a:rPr lang="en-US" altLang="zh-CN" dirty="0" err="1" smtClean="0"/>
+              <a:t>lustering.py</a:t>
+            </a:r>
+            <a:r>
+              <a:rPr lang="en-US" altLang="zh-CN" dirty="0" smtClean="0"/>
+              <a:t>,</a:t>
+            </a:r>
+            <a:r>
+              <a:rPr lang="zh-CN" altLang="en-US" dirty="0" smtClean="0"/>
+              <a:t> </a:t>
+            </a:r>
+            <a:r>
+              <a:rPr lang="en-US" altLang="zh-CN" dirty="0" smtClean="0"/>
+              <a:t>Cluster</a:t>
+            </a:r>
+            <a:r>
+              <a:rPr lang="zh-CN" altLang="en-US" dirty="0" smtClean="0"/>
+              <a:t> </a:t>
+            </a:r>
+            <a:r>
+              <a:rPr lang="en-US" altLang="zh-CN" dirty="0" smtClean="0"/>
+              <a:t>class</a:t>
+            </a:r>
+          </a:p>
+          <a:p>
+            <a:r>
+              <a:rPr lang="en-US" altLang="zh-CN" dirty="0" err="1"/>
+              <a:t>r</a:t>
+            </a:r>
+            <a:r>
+              <a:rPr lang="en-US" altLang="zh-CN" dirty="0" err="1" smtClean="0"/>
+              <a:t>eduction.py</a:t>
+            </a:r>
+            <a:r>
+              <a:rPr lang="en-US" altLang="zh-CN" dirty="0" smtClean="0"/>
+              <a:t>,</a:t>
+            </a:r>
+            <a:r>
+              <a:rPr lang="zh-CN" altLang="en-US" dirty="0" smtClean="0"/>
+              <a:t> </a:t>
+            </a:r>
+            <a:r>
+              <a:rPr lang="en-US" altLang="zh-CN" dirty="0" smtClean="0"/>
+              <a:t>model</a:t>
+            </a:r>
+            <a:r>
+              <a:rPr lang="zh-CN" altLang="en-US" dirty="0" smtClean="0"/>
+              <a:t> </a:t>
+            </a:r>
+            <a:r>
+              <a:rPr lang="en-US" altLang="zh-CN" dirty="0" smtClean="0"/>
+              <a:t>reduction</a:t>
+            </a:r>
+          </a:p>
+          <a:p>
+            <a:r>
+              <a:rPr lang="en-US" altLang="zh-CN" dirty="0" err="1" smtClean="0"/>
+              <a:t>optionPricing.py</a:t>
+            </a:r>
+            <a:r>
+              <a:rPr lang="en-US" altLang="zh-CN" dirty="0" smtClean="0"/>
+              <a:t>,</a:t>
+            </a:r>
+            <a:r>
+              <a:rPr lang="zh-CN" altLang="en-US" dirty="0" smtClean="0"/>
+              <a:t> </a:t>
+            </a:r>
+            <a:r>
+              <a:rPr lang="en-US" altLang="zh-CN" dirty="0" smtClean="0"/>
+              <a:t>Option</a:t>
+            </a:r>
+            <a:r>
+              <a:rPr lang="zh-CN" altLang="en-US" dirty="0" smtClean="0"/>
+              <a:t> </a:t>
+            </a:r>
+            <a:r>
+              <a:rPr lang="en-US" altLang="zh-CN" dirty="0" smtClean="0"/>
+              <a:t>pricing</a:t>
+            </a:r>
+          </a:p>
+          <a:p>
             <a:endParaRPr lang="en-US" altLang="zh-CN" dirty="0" smtClean="0"/>
           </a:p>
         </p:txBody>
@@ -4914,6 +5189,13 @@
   <p:clrMapOvr>
     <a:masterClrMapping/>
   </p:clrMapOvr>
+  <p:timing>
+    <p:tnLst>
+      <p:par>
+        <p:cTn id="1" dur="indefinite" restart="never" nodeType="tmRoot"/>
+      </p:par>
+    </p:tnLst>
+  </p:timing>
 </p:sld>
 </file>
 
@@ -4951,65 +5233,66 @@
           <a:p>
             <a:r>
               <a:rPr lang="en-US" altLang="zh-CN" dirty="0" smtClean="0"/>
-              <a:t>Model</a:t>
-            </a:r>
-            <a:r>
-              <a:rPr lang="zh-CN" altLang="en-US" dirty="0" smtClean="0"/>
-              <a:t> </a:t>
-            </a:r>
-            <a:r>
-              <a:rPr lang="en-US" altLang="zh-CN" dirty="0"/>
-              <a:t>v</a:t>
-            </a:r>
-            <a:r>
-              <a:rPr lang="en-US" altLang="zh-CN" dirty="0" smtClean="0"/>
-              <a:t>alidation</a:t>
-            </a:r>
-            <a:endParaRPr lang="en-US" dirty="0"/>
-          </a:p>
-        </p:txBody>
-      </p:sp>
-      <p:sp>
-        <p:nvSpPr>
-          <p:cNvPr id="3" name="Content Placeholder 2"/>
-          <p:cNvSpPr>
-            <a:spLocks noGrp="1"/>
-          </p:cNvSpPr>
+              <a:t>Documentation:</a:t>
+            </a:r>
+            <a:r>
+              <a:rPr lang="zh-CN" altLang="en-US" dirty="0" smtClean="0"/>
+              <a:t> </a:t>
+            </a:r>
+            <a:r>
+              <a:rPr lang="en-US" altLang="zh-CN" dirty="0" err="1" smtClean="0"/>
+              <a:t>Doxgen</a:t>
+            </a:r>
+            <a:endParaRPr lang="en-US" dirty="0"/>
+          </a:p>
+        </p:txBody>
+      </p:sp>
+      <p:pic>
+        <p:nvPicPr>
+          <p:cNvPr id="4" name="Content Placeholder 3"/>
+          <p:cNvPicPr>
+            <a:picLocks noGrp="1" noChangeAspect="1"/>
+          </p:cNvPicPr>
           <p:nvPr>
             <p:ph idx="1"/>
           </p:nvPr>
-        </p:nvSpPr>
-        <p:spPr/>
-        <p:txBody>
-          <a:bodyPr/>
-          <a:lstStyle/>
-          <a:p>
-            <a:r>
-              <a:rPr lang="en-US" altLang="zh-CN" dirty="0" smtClean="0"/>
-              <a:t>Simulated</a:t>
-            </a:r>
-            <a:r>
-              <a:rPr lang="zh-CN" altLang="en-US" dirty="0" smtClean="0"/>
-              <a:t> </a:t>
-            </a:r>
-            <a:r>
-              <a:rPr lang="en-US" altLang="zh-CN" dirty="0" smtClean="0"/>
-              <a:t>data</a:t>
-            </a:r>
-            <a:endParaRPr lang="en-US" dirty="0"/>
-          </a:p>
-        </p:txBody>
-      </p:sp>
+        </p:nvPicPr>
+        <p:blipFill>
+          <a:blip r:embed="rId2">
+            <a:extLst>
+              <a:ext uri="{28A0092B-C50C-407E-A947-70E740481C1C}">
+                <a14:useLocalDpi xmlns:a14="http://schemas.microsoft.com/office/drawing/2010/main" val="0"/>
+              </a:ext>
+            </a:extLst>
+          </a:blip>
+          <a:stretch>
+            <a:fillRect/>
+          </a:stretch>
+        </p:blipFill>
+        <p:spPr>
+          <a:xfrm>
+            <a:off x="1673277" y="1995053"/>
+            <a:ext cx="9521193" cy="3897738"/>
+          </a:xfrm>
+        </p:spPr>
+      </p:pic>
     </p:spTree>
     <p:extLst>
       <p:ext uri="{BB962C8B-B14F-4D97-AF65-F5344CB8AC3E}">
-        <p14:creationId xmlns:p14="http://schemas.microsoft.com/office/powerpoint/2010/main" val="1735777524"/>
+        <p14:creationId xmlns:p14="http://schemas.microsoft.com/office/powerpoint/2010/main" val="1992530728"/>
       </p:ext>
     </p:extLst>
   </p:cSld>
   <p:clrMapOvr>
     <a:masterClrMapping/>
   </p:clrMapOvr>
+  <p:timing>
+    <p:tnLst>
+      <p:par>
+        <p:cTn id="1" dur="indefinite" restart="never" nodeType="tmRoot"/>
+      </p:par>
+    </p:tnLst>
+  </p:timing>
 </p:sld>
 </file>
 
@@ -5046,20 +5329,24 @@
           <a:lstStyle/>
           <a:p>
             <a:r>
-              <a:rPr lang="en-US" altLang="zh-CN" dirty="0"/>
-              <a:t>F</a:t>
-            </a:r>
-            <a:r>
-              <a:rPr lang="en-US" altLang="zh-CN" dirty="0" smtClean="0"/>
-              <a:t>inancial</a:t>
-            </a:r>
-            <a:r>
-              <a:rPr lang="zh-CN" altLang="en-US" dirty="0" smtClean="0"/>
-              <a:t> </a:t>
-            </a:r>
-            <a:r>
-              <a:rPr lang="en-US" altLang="zh-CN" dirty="0" smtClean="0"/>
-              <a:t>data</a:t>
+              <a:rPr lang="en-US" altLang="zh-CN" dirty="0" smtClean="0"/>
+              <a:t>Demo:</a:t>
+            </a:r>
+            <a:r>
+              <a:rPr lang="zh-CN" altLang="en-US" dirty="0" smtClean="0"/>
+              <a:t> </a:t>
+            </a:r>
+            <a:r>
+              <a:rPr lang="en-US" altLang="zh-CN" dirty="0" smtClean="0"/>
+              <a:t>python</a:t>
+            </a:r>
+            <a:r>
+              <a:rPr lang="zh-CN" altLang="en-US" dirty="0" smtClean="0"/>
+              <a:t> </a:t>
+            </a:r>
+            <a:r>
+              <a:rPr lang="en-US" altLang="zh-CN" dirty="0" smtClean="0"/>
+              <a:t>notebook</a:t>
             </a:r>
             <a:endParaRPr lang="en-US" dirty="0"/>
           </a:p>
@@ -5082,23 +5369,269 @@
           <a:p>
             <a:r>
               <a:rPr lang="en-US" altLang="zh-CN" dirty="0" smtClean="0"/>
-              <a:t>Google</a:t>
-            </a:r>
-            <a:r>
-              <a:rPr lang="zh-CN" altLang="en-US" dirty="0" smtClean="0"/>
-              <a:t> </a:t>
-            </a:r>
-            <a:r>
-              <a:rPr lang="en-US" altLang="zh-CN" dirty="0" smtClean="0"/>
-              <a:t>stock</a:t>
-            </a:r>
-            <a:r>
-              <a:rPr lang="zh-CN" altLang="en-US" dirty="0" smtClean="0"/>
-              <a:t> </a:t>
-            </a:r>
-            <a:r>
-              <a:rPr lang="en-US" altLang="zh-CN" dirty="0" smtClean="0"/>
-              <a:t>price</a:t>
+              <a:t>Model</a:t>
+            </a:r>
+            <a:r>
+              <a:rPr lang="zh-CN" altLang="en-US" dirty="0" smtClean="0"/>
+              <a:t> </a:t>
+            </a:r>
+            <a:r>
+              <a:rPr lang="en-US" altLang="zh-CN" dirty="0" smtClean="0"/>
+              <a:t>validation</a:t>
+            </a:r>
+            <a:r>
+              <a:rPr lang="zh-CN" altLang="en-US" dirty="0" smtClean="0"/>
+              <a:t> </a:t>
+            </a:r>
+            <a:r>
+              <a:rPr lang="en-US" altLang="zh-CN" dirty="0" smtClean="0"/>
+              <a:t>(Simulated</a:t>
+            </a:r>
+            <a:r>
+              <a:rPr lang="zh-CN" altLang="en-US" dirty="0" smtClean="0"/>
+              <a:t> </a:t>
+            </a:r>
+            <a:r>
+              <a:rPr lang="en-US" altLang="zh-CN" dirty="0" smtClean="0"/>
+              <a:t>data,</a:t>
+            </a:r>
+            <a:r>
+              <a:rPr lang="zh-CN" altLang="en-US" dirty="0"/>
+              <a:t> </a:t>
+            </a:r>
+            <a:r>
+              <a:rPr lang="en-US" altLang="zh-CN" dirty="0" smtClean="0"/>
+              <a:t>Cong</a:t>
+            </a:r>
+            <a:r>
+              <a:rPr lang="zh-CN" altLang="en-US" dirty="0" smtClean="0"/>
+              <a:t> </a:t>
+            </a:r>
+            <a:r>
+              <a:rPr lang="en-US" altLang="zh-CN" dirty="0" smtClean="0"/>
+              <a:t>Ma)</a:t>
+            </a:r>
+          </a:p>
+          <a:p>
+            <a:r>
+              <a:rPr lang="en-US" altLang="zh-CN" dirty="0" smtClean="0"/>
+              <a:t>Financial</a:t>
+            </a:r>
+            <a:r>
+              <a:rPr lang="zh-CN" altLang="en-US" dirty="0" smtClean="0"/>
+              <a:t> </a:t>
+            </a:r>
+            <a:r>
+              <a:rPr lang="en-US" altLang="zh-CN" dirty="0" smtClean="0"/>
+              <a:t>data</a:t>
+            </a:r>
+            <a:r>
+              <a:rPr lang="zh-CN" altLang="en-US" dirty="0" smtClean="0"/>
+              <a:t> </a:t>
+            </a:r>
+            <a:r>
+              <a:rPr lang="en-US" altLang="zh-CN" dirty="0" smtClean="0"/>
+              <a:t>(Google</a:t>
+            </a:r>
+            <a:r>
+              <a:rPr lang="zh-CN" altLang="en-US" dirty="0" smtClean="0"/>
+              <a:t> </a:t>
+            </a:r>
+            <a:r>
+              <a:rPr lang="en-US" altLang="zh-CN" dirty="0" smtClean="0"/>
+              <a:t>stock,</a:t>
+            </a:r>
+            <a:r>
+              <a:rPr lang="zh-CN" altLang="en-US" dirty="0" smtClean="0"/>
+              <a:t> </a:t>
+            </a:r>
+            <a:r>
+              <a:rPr lang="en-US" altLang="zh-CN" dirty="0" err="1" smtClean="0"/>
+              <a:t>Wenyan</a:t>
+            </a:r>
+            <a:r>
+              <a:rPr lang="zh-CN" altLang="en-US" dirty="0" smtClean="0"/>
+              <a:t> </a:t>
+            </a:r>
+            <a:r>
+              <a:rPr lang="en-US" altLang="zh-CN" dirty="0" smtClean="0"/>
+              <a:t>Gong)</a:t>
+            </a:r>
+          </a:p>
+          <a:p>
+            <a:r>
+              <a:rPr lang="en-US" altLang="zh-CN" dirty="0" smtClean="0"/>
+              <a:t>Trading</a:t>
+            </a:r>
+            <a:r>
+              <a:rPr lang="zh-CN" altLang="en-US" dirty="0" smtClean="0"/>
+              <a:t> </a:t>
+            </a:r>
+            <a:r>
+              <a:rPr lang="en-US" altLang="zh-CN" dirty="0" smtClean="0"/>
+              <a:t>strategy</a:t>
+            </a:r>
+            <a:r>
+              <a:rPr lang="zh-CN" altLang="en-US" dirty="0" smtClean="0"/>
+              <a:t> </a:t>
+            </a:r>
+            <a:r>
+              <a:rPr lang="en-US" altLang="zh-CN" dirty="0" smtClean="0"/>
+              <a:t>(Google</a:t>
+            </a:r>
+            <a:r>
+              <a:rPr lang="zh-CN" altLang="en-US" dirty="0" smtClean="0"/>
+              <a:t> </a:t>
+            </a:r>
+            <a:r>
+              <a:rPr lang="en-US" altLang="zh-CN" dirty="0" smtClean="0"/>
+              <a:t>stock,</a:t>
+            </a:r>
+            <a:r>
+              <a:rPr lang="zh-CN" altLang="en-US" dirty="0" smtClean="0"/>
+              <a:t> </a:t>
+            </a:r>
+            <a:r>
+              <a:rPr lang="en-US" altLang="zh-CN" dirty="0" err="1" smtClean="0"/>
+              <a:t>Zongxi</a:t>
+            </a:r>
+            <a:r>
+              <a:rPr lang="zh-CN" altLang="en-US" dirty="0" smtClean="0"/>
+              <a:t> </a:t>
+            </a:r>
+            <a:r>
+              <a:rPr lang="en-US" altLang="zh-CN" dirty="0" smtClean="0"/>
+              <a:t>Li)</a:t>
+            </a:r>
+          </a:p>
+          <a:p>
+            <a:r>
+              <a:rPr lang="en-US" altLang="zh-CN" dirty="0" smtClean="0"/>
+              <a:t>Clustering</a:t>
+            </a:r>
+            <a:r>
+              <a:rPr lang="zh-CN" altLang="en-US" dirty="0" smtClean="0"/>
+              <a:t> </a:t>
+            </a:r>
+            <a:r>
+              <a:rPr lang="en-US" altLang="zh-CN" dirty="0" smtClean="0"/>
+              <a:t>(S&amp;P</a:t>
+            </a:r>
+            <a:r>
+              <a:rPr lang="zh-CN" altLang="en-US" dirty="0" smtClean="0"/>
+              <a:t> </a:t>
+            </a:r>
+            <a:r>
+              <a:rPr lang="en-US" altLang="zh-CN" dirty="0" smtClean="0"/>
+              <a:t>500,</a:t>
+            </a:r>
+            <a:r>
+              <a:rPr lang="zh-CN" altLang="en-US" dirty="0" smtClean="0"/>
+              <a:t> </a:t>
+            </a:r>
+            <a:r>
+              <a:rPr lang="en-US" altLang="zh-CN" dirty="0" err="1" smtClean="0"/>
+              <a:t>Zhuoran</a:t>
+            </a:r>
+            <a:r>
+              <a:rPr lang="zh-CN" altLang="en-US" dirty="0" smtClean="0"/>
+              <a:t> </a:t>
+            </a:r>
+            <a:r>
+              <a:rPr lang="en-US" altLang="zh-CN" dirty="0" smtClean="0"/>
+              <a:t>Yang)</a:t>
+            </a:r>
+          </a:p>
+          <a:p>
+            <a:r>
+              <a:rPr lang="en-US" altLang="zh-CN" dirty="0" smtClean="0"/>
+              <a:t>Model</a:t>
+            </a:r>
+            <a:r>
+              <a:rPr lang="zh-CN" altLang="en-US" dirty="0" smtClean="0"/>
+              <a:t> </a:t>
+            </a:r>
+            <a:r>
+              <a:rPr lang="en-US" altLang="zh-CN" dirty="0" smtClean="0"/>
+              <a:t>reduction</a:t>
+            </a:r>
+            <a:r>
+              <a:rPr lang="zh-CN" altLang="en-US" dirty="0" smtClean="0"/>
+              <a:t> </a:t>
+            </a:r>
+            <a:r>
+              <a:rPr lang="en-US" altLang="zh-CN" dirty="0" smtClean="0"/>
+              <a:t>(S&amp;P</a:t>
+            </a:r>
+            <a:r>
+              <a:rPr lang="zh-CN" altLang="en-US" dirty="0" smtClean="0"/>
+              <a:t> </a:t>
+            </a:r>
+            <a:r>
+              <a:rPr lang="en-US" altLang="zh-CN" dirty="0" smtClean="0"/>
+              <a:t>500,</a:t>
+            </a:r>
+            <a:r>
+              <a:rPr lang="zh-CN" altLang="en-US" dirty="0" smtClean="0"/>
+              <a:t> </a:t>
+            </a:r>
+            <a:r>
+              <a:rPr lang="en-US" altLang="zh-CN" dirty="0" smtClean="0"/>
+              <a:t>Hao</a:t>
+            </a:r>
+            <a:r>
+              <a:rPr lang="zh-CN" altLang="en-US" dirty="0" smtClean="0"/>
+              <a:t> </a:t>
+            </a:r>
+            <a:r>
+              <a:rPr lang="en-US" altLang="zh-CN" dirty="0" smtClean="0"/>
+              <a:t>Zhang)</a:t>
+            </a:r>
+          </a:p>
+          <a:p>
+            <a:r>
+              <a:rPr lang="en-US" altLang="zh-CN" dirty="0" smtClean="0"/>
+              <a:t>Option</a:t>
+            </a:r>
+            <a:r>
+              <a:rPr lang="zh-CN" altLang="en-US" dirty="0" smtClean="0"/>
+              <a:t> </a:t>
+            </a:r>
+            <a:r>
+              <a:rPr lang="en-US" altLang="zh-CN" dirty="0" smtClean="0"/>
+              <a:t>pricing</a:t>
+            </a:r>
+            <a:r>
+              <a:rPr lang="zh-CN" altLang="en-US" dirty="0" smtClean="0"/>
+              <a:t> </a:t>
+            </a:r>
+            <a:r>
+              <a:rPr lang="en-US" altLang="zh-CN" dirty="0" smtClean="0"/>
+              <a:t>(S&amp;P</a:t>
+            </a:r>
+            <a:r>
+              <a:rPr lang="zh-CN" altLang="en-US" dirty="0" smtClean="0"/>
+              <a:t> </a:t>
+            </a:r>
+            <a:r>
+              <a:rPr lang="en-US" altLang="zh-CN" dirty="0" smtClean="0"/>
+              <a:t>500,</a:t>
+            </a:r>
+            <a:r>
+              <a:rPr lang="zh-CN" altLang="en-US" dirty="0" smtClean="0"/>
+              <a:t> </a:t>
+            </a:r>
+            <a:r>
+              <a:rPr lang="en-US" altLang="zh-CN" dirty="0" err="1" smtClean="0"/>
+              <a:t>Qingcan</a:t>
+            </a:r>
+            <a:r>
+              <a:rPr lang="zh-CN" altLang="en-US" dirty="0" smtClean="0"/>
+              <a:t> </a:t>
+            </a:r>
+            <a:r>
+              <a:rPr lang="en-US" altLang="zh-CN" dirty="0" smtClean="0"/>
+              <a:t>Wang)</a:t>
             </a:r>
             <a:endParaRPr lang="en-US" dirty="0"/>
           </a:p>
@@ -5107,13 +5640,20 @@
     </p:spTree>
     <p:extLst>
       <p:ext uri="{BB962C8B-B14F-4D97-AF65-F5344CB8AC3E}">
-        <p14:creationId xmlns:p14="http://schemas.microsoft.com/office/powerpoint/2010/main" val="125230963"/>
+        <p14:creationId xmlns:p14="http://schemas.microsoft.com/office/powerpoint/2010/main" val="5028362"/>
       </p:ext>
     </p:extLst>
   </p:cSld>
   <p:clrMapOvr>
     <a:masterClrMapping/>
   </p:clrMapOvr>
+  <p:timing>
+    <p:tnLst>
+      <p:par>
+        <p:cTn id="1" dur="indefinite" restart="never" nodeType="tmRoot"/>
+      </p:par>
+    </p:tnLst>
+  </p:timing>
 </p:sld>
 </file>
 
@@ -5151,23 +5691,31 @@
           <a:p>
             <a:r>
               <a:rPr lang="en-US" altLang="zh-CN" dirty="0" smtClean="0"/>
-              <a:t>Clustering,</a:t>
-            </a:r>
-            <a:r>
-              <a:rPr lang="zh-CN" altLang="en-US" dirty="0" smtClean="0"/>
-              <a:t> </a:t>
-            </a:r>
-            <a:r>
-              <a:rPr lang="en-US" altLang="zh-CN" dirty="0" smtClean="0"/>
-              <a:t>model</a:t>
-            </a:r>
-            <a:r>
-              <a:rPr lang="zh-CN" altLang="en-US" dirty="0" smtClean="0"/>
-              <a:t> </a:t>
-            </a:r>
-            <a:r>
-              <a:rPr lang="en-US" altLang="zh-CN" dirty="0" smtClean="0"/>
-              <a:t>reduction</a:t>
+              <a:t>Summary</a:t>
+            </a:r>
+            <a:r>
+              <a:rPr lang="zh-CN" altLang="en-US" dirty="0" smtClean="0"/>
+              <a:t> </a:t>
+            </a:r>
+            <a:r>
+              <a:rPr lang="en-US" altLang="zh-CN" dirty="0" smtClean="0"/>
+              <a:t>and</a:t>
+            </a:r>
+            <a:r>
+              <a:rPr lang="zh-CN" altLang="en-US" dirty="0" smtClean="0"/>
+              <a:t> </a:t>
+            </a:r>
+            <a:r>
+              <a:rPr lang="en-US" altLang="zh-CN" dirty="0" smtClean="0"/>
+              <a:t>learned</a:t>
+            </a:r>
+            <a:r>
+              <a:rPr lang="zh-CN" altLang="en-US" dirty="0" smtClean="0"/>
+              <a:t> </a:t>
+            </a:r>
+            <a:r>
+              <a:rPr lang="en-US" altLang="zh-CN" dirty="0" smtClean="0"/>
+              <a:t>lesson</a:t>
             </a:r>
             <a:endParaRPr lang="en-US" dirty="0"/>
           </a:p>
@@ -5190,15 +5738,127 @@
           <a:p>
             <a:r>
               <a:rPr lang="en-US" altLang="zh-CN" dirty="0" smtClean="0"/>
-              <a:t>S&amp;P</a:t>
-            </a:r>
-            <a:r>
-              <a:rPr lang="zh-CN" altLang="en-US" dirty="0" smtClean="0"/>
-              <a:t> </a:t>
-            </a:r>
-            <a:r>
-              <a:rPr lang="en-US" altLang="zh-CN" dirty="0" smtClean="0"/>
-              <a:t>500</a:t>
+              <a:t>First</a:t>
+            </a:r>
+            <a:r>
+              <a:rPr lang="zh-CN" altLang="en-US" dirty="0" smtClean="0"/>
+              <a:t> </a:t>
+            </a:r>
+            <a:r>
+              <a:rPr lang="en-US" altLang="zh-CN" dirty="0" smtClean="0"/>
+              <a:t>time,</a:t>
+            </a:r>
+            <a:r>
+              <a:rPr lang="zh-CN" altLang="en-US" dirty="0" smtClean="0"/>
+              <a:t> </a:t>
+            </a:r>
+            <a:r>
+              <a:rPr lang="en-US" altLang="zh-CN" dirty="0"/>
+              <a:t>c</a:t>
+            </a:r>
+            <a:r>
+              <a:rPr lang="en-US" altLang="zh-CN" dirty="0" smtClean="0"/>
+              <a:t>oding</a:t>
+            </a:r>
+            <a:r>
+              <a:rPr lang="zh-CN" altLang="en-US" dirty="0" smtClean="0"/>
+              <a:t> </a:t>
+            </a:r>
+            <a:r>
+              <a:rPr lang="en-US" altLang="zh-CN" dirty="0"/>
+              <a:t>c</a:t>
+            </a:r>
+            <a:r>
+              <a:rPr lang="en-US" altLang="zh-CN" dirty="0" smtClean="0"/>
+              <a:t>ollaboration</a:t>
+            </a:r>
+            <a:r>
+              <a:rPr lang="zh-CN" altLang="en-US" dirty="0" smtClean="0"/>
+              <a:t> </a:t>
+            </a:r>
+            <a:r>
+              <a:rPr lang="en-US" altLang="zh-CN" dirty="0" smtClean="0"/>
+              <a:t>in</a:t>
+            </a:r>
+            <a:r>
+              <a:rPr lang="zh-CN" altLang="en-US" dirty="0" smtClean="0"/>
+              <a:t> </a:t>
+            </a:r>
+            <a:r>
+              <a:rPr lang="en-US" altLang="zh-CN" dirty="0" smtClean="0"/>
+              <a:t>a</a:t>
+            </a:r>
+            <a:r>
+              <a:rPr lang="zh-CN" altLang="en-US" dirty="0" smtClean="0"/>
+              <a:t> </a:t>
+            </a:r>
+            <a:r>
+              <a:rPr lang="en-US" altLang="zh-CN" dirty="0" smtClean="0"/>
+              <a:t>project</a:t>
+            </a:r>
+            <a:r>
+              <a:rPr lang="zh-CN" altLang="en-US" dirty="0" smtClean="0"/>
+              <a:t> </a:t>
+            </a:r>
+            <a:r>
+              <a:rPr lang="en-US" altLang="zh-CN" dirty="0" smtClean="0"/>
+              <a:t>group</a:t>
+            </a:r>
+          </a:p>
+          <a:p>
+            <a:r>
+              <a:rPr lang="en-US" altLang="zh-CN" dirty="0" smtClean="0"/>
+              <a:t>Various</a:t>
+            </a:r>
+            <a:r>
+              <a:rPr lang="zh-CN" altLang="en-US" dirty="0" smtClean="0"/>
+              <a:t> </a:t>
+            </a:r>
+            <a:r>
+              <a:rPr lang="en-US" altLang="zh-CN" dirty="0" smtClean="0"/>
+              <a:t>languages,</a:t>
+            </a:r>
+            <a:r>
+              <a:rPr lang="zh-CN" altLang="en-US" dirty="0" smtClean="0"/>
+              <a:t> </a:t>
+            </a:r>
+            <a:r>
+              <a:rPr lang="en-US" altLang="zh-CN" dirty="0"/>
+              <a:t>U</a:t>
+            </a:r>
+            <a:r>
+              <a:rPr lang="en-US" altLang="zh-CN" dirty="0" smtClean="0"/>
+              <a:t>nix</a:t>
+            </a:r>
+            <a:r>
+              <a:rPr lang="zh-CN" altLang="en-US" dirty="0" smtClean="0"/>
+              <a:t> </a:t>
+            </a:r>
+            <a:r>
+              <a:rPr lang="en-US" altLang="zh-CN" dirty="0" smtClean="0"/>
+              <a:t>tools</a:t>
+            </a:r>
+          </a:p>
+          <a:p>
+            <a:r>
+              <a:rPr lang="en-US" altLang="zh-CN" dirty="0" smtClean="0"/>
+              <a:t>Object</a:t>
+            </a:r>
+            <a:r>
+              <a:rPr lang="zh-CN" altLang="en-US" dirty="0" smtClean="0"/>
+              <a:t> </a:t>
+            </a:r>
+            <a:r>
+              <a:rPr lang="en-US" altLang="zh-CN" dirty="0" smtClean="0"/>
+              <a:t>oriented</a:t>
+            </a:r>
+            <a:r>
+              <a:rPr lang="zh-CN" altLang="en-US" dirty="0" smtClean="0"/>
+              <a:t> </a:t>
+            </a:r>
+            <a:r>
+              <a:rPr lang="en-US" altLang="zh-CN" dirty="0" smtClean="0"/>
+              <a:t>programming</a:t>
             </a:r>
             <a:endParaRPr lang="en-US" dirty="0"/>
           </a:p>
@@ -5207,133 +5867,20 @@
     </p:spTree>
     <p:extLst>
       <p:ext uri="{BB962C8B-B14F-4D97-AF65-F5344CB8AC3E}">
-        <p14:creationId xmlns:p14="http://schemas.microsoft.com/office/powerpoint/2010/main" val="1952947924"/>
+        <p14:creationId xmlns:p14="http://schemas.microsoft.com/office/powerpoint/2010/main" val="1437239485"/>
       </p:ext>
     </p:extLst>
   </p:cSld>
   <p:clrMapOvr>
     <a:masterClrMapping/>
   </p:clrMapOvr>
-</p:sld>
-</file>
-
-<file path=ppt/slides/slide9.xml><?xml version="1.0" encoding="utf-8"?>
-<p:sld xmlns:a="http://schemas.openxmlformats.org/drawingml/2006/main" xmlns:r="http://schemas.openxmlformats.org/officeDocument/2006/relationships" xmlns:p="http://schemas.openxmlformats.org/presentationml/2006/main">
-  <p:cSld>
-    <p:spTree>
-      <p:nvGrpSpPr>
-        <p:cNvPr id="1" name=""/>
-        <p:cNvGrpSpPr/>
-        <p:nvPr/>
-      </p:nvGrpSpPr>
-      <p:grpSpPr>
-        <a:xfrm>
-          <a:off x="0" y="0"/>
-          <a:ext cx="0" cy="0"/>
-          <a:chOff x="0" y="0"/>
-          <a:chExt cx="0" cy="0"/>
-        </a:xfrm>
-      </p:grpSpPr>
-      <p:sp>
-        <p:nvSpPr>
-          <p:cNvPr id="2" name="Title 1"/>
-          <p:cNvSpPr>
-            <a:spLocks noGrp="1"/>
-          </p:cNvSpPr>
-          <p:nvPr>
-            <p:ph type="title"/>
-          </p:nvPr>
-        </p:nvSpPr>
-        <p:spPr/>
-        <p:txBody>
-          <a:bodyPr/>
-          <a:lstStyle/>
-          <a:p>
-            <a:r>
-              <a:rPr lang="en-US" altLang="zh-CN" dirty="0" smtClean="0"/>
-              <a:t>Trading</a:t>
-            </a:r>
-            <a:r>
-              <a:rPr lang="zh-CN" altLang="en-US" dirty="0" smtClean="0"/>
-              <a:t> </a:t>
-            </a:r>
-            <a:r>
-              <a:rPr lang="en-US" altLang="zh-CN" dirty="0" smtClean="0"/>
-              <a:t>strategy,</a:t>
-            </a:r>
-            <a:r>
-              <a:rPr lang="zh-CN" altLang="en-US" dirty="0" smtClean="0"/>
-              <a:t> </a:t>
-            </a:r>
-            <a:r>
-              <a:rPr lang="en-US" altLang="zh-CN" dirty="0" smtClean="0"/>
-              <a:t>option</a:t>
-            </a:r>
-            <a:r>
-              <a:rPr lang="zh-CN" altLang="en-US" dirty="0" smtClean="0"/>
-              <a:t> </a:t>
-            </a:r>
-            <a:r>
-              <a:rPr lang="en-US" altLang="zh-CN" dirty="0" smtClean="0"/>
-              <a:t>pricing</a:t>
-            </a:r>
-            <a:r>
-              <a:rPr lang="zh-CN" altLang="en-US" dirty="0" smtClean="0"/>
-              <a:t> </a:t>
-            </a:r>
-            <a:endParaRPr lang="en-US" dirty="0"/>
-          </a:p>
-        </p:txBody>
-      </p:sp>
-      <p:sp>
-        <p:nvSpPr>
-          <p:cNvPr id="3" name="Content Placeholder 2"/>
-          <p:cNvSpPr>
-            <a:spLocks noGrp="1"/>
-          </p:cNvSpPr>
-          <p:nvPr>
-            <p:ph idx="1"/>
-          </p:nvPr>
-        </p:nvSpPr>
-        <p:spPr/>
-        <p:txBody>
-          <a:bodyPr/>
-          <a:lstStyle/>
-          <a:p>
-            <a:r>
-              <a:rPr lang="en-US" altLang="zh-CN" dirty="0" smtClean="0"/>
-              <a:t>Google</a:t>
-            </a:r>
-            <a:r>
-              <a:rPr lang="zh-CN" altLang="en-US" dirty="0" smtClean="0"/>
-              <a:t> </a:t>
-            </a:r>
-            <a:r>
-              <a:rPr lang="en-US" altLang="zh-CN" dirty="0" smtClean="0"/>
-              <a:t>stock</a:t>
-            </a:r>
-            <a:r>
-              <a:rPr lang="zh-CN" altLang="en-US" dirty="0" smtClean="0"/>
-              <a:t> </a:t>
-            </a:r>
-            <a:r>
-              <a:rPr lang="en-US" altLang="zh-CN" dirty="0" smtClean="0"/>
-              <a:t>price</a:t>
-            </a:r>
-            <a:endParaRPr lang="en-US" dirty="0"/>
-          </a:p>
-        </p:txBody>
-      </p:sp>
-    </p:spTree>
-    <p:extLst>
-      <p:ext uri="{BB962C8B-B14F-4D97-AF65-F5344CB8AC3E}">
-        <p14:creationId xmlns:p14="http://schemas.microsoft.com/office/powerpoint/2010/main" val="2006161967"/>
-      </p:ext>
-    </p:extLst>
-  </p:cSld>
-  <p:clrMapOvr>
-    <a:masterClrMapping/>
-  </p:clrMapOvr>
+  <p:timing>
+    <p:tnLst>
+      <p:par>
+        <p:cTn id="1" dur="indefinite" restart="never" nodeType="tmRoot"/>
+      </p:par>
+    </p:tnLst>
+  </p:timing>
 </p:sld>
 </file>
 

--- a/doc/presentation/pre.pptx
+++ b/doc/presentation/pre.pptx
@@ -4732,10 +4732,6 @@
           <a:bodyPr/>
           <a:lstStyle/>
           <a:p>
-            <a:r>
-              <a:rPr lang="zh-CN" altLang="en-US" dirty="0" smtClean="0"/>
-              <a:t>吹水</a:t>
-            </a:r>
             <a:endParaRPr lang="en-US" altLang="zh-CN" dirty="0" smtClean="0"/>
           </a:p>
           <a:p>
@@ -4743,6 +4739,36 @@
           </a:p>
         </p:txBody>
       </p:sp>
+      <p:pic>
+        <p:nvPicPr>
+          <p:cNvPr id="5" name="Picture 4"/>
+          <p:cNvPicPr>
+            <a:picLocks noChangeAspect="1"/>
+          </p:cNvPicPr>
+          <p:nvPr/>
+        </p:nvPicPr>
+        <p:blipFill>
+          <a:blip r:embed="rId2">
+            <a:extLst>
+              <a:ext uri="{28A0092B-C50C-407E-A947-70E740481C1C}">
+                <a14:useLocalDpi xmlns:a14="http://schemas.microsoft.com/office/drawing/2010/main" val="0"/>
+              </a:ext>
+            </a:extLst>
+          </a:blip>
+          <a:stretch>
+            <a:fillRect/>
+          </a:stretch>
+        </p:blipFill>
+        <p:spPr>
+          <a:xfrm>
+            <a:off x="1870169" y="1740282"/>
+            <a:ext cx="8202083" cy="4446749"/>
+          </a:xfrm>
+          <a:prstGeom prst="rect">
+            <a:avLst/>
+          </a:prstGeom>
+        </p:spPr>
+      </p:pic>
     </p:spTree>
     <p:extLst>
       <p:ext uri="{BB962C8B-B14F-4D97-AF65-F5344CB8AC3E}">
@@ -5241,7 +5267,7 @@
             </a:r>
             <a:r>
               <a:rPr lang="en-US" altLang="zh-CN" dirty="0" err="1" smtClean="0"/>
-              <a:t>Doxgen</a:t>
+              <a:t>Doxygen</a:t>
             </a:r>
             <a:endParaRPr lang="en-US" dirty="0"/>
           </a:p>
@@ -5337,8 +5363,8 @@
               <a:t> </a:t>
             </a:r>
             <a:r>
-              <a:rPr lang="en-US" altLang="zh-CN" dirty="0" smtClean="0"/>
-              <a:t>python</a:t>
+              <a:rPr lang="en-US" altLang="zh-CN" dirty="0" err="1" smtClean="0"/>
+              <a:t>ipython</a:t>
             </a:r>
             <a:r>
               <a:rPr lang="zh-CN" altLang="en-US" dirty="0" smtClean="0"/>

--- a/doc/presentation/pre.pptx
+++ b/doc/presentation/pre.pptx
@@ -4,10 +4,13 @@
   <p:sldMasterIdLst>
     <p:sldMasterId id="2147483648" r:id="rId1"/>
   </p:sldMasterIdLst>
+  <p:notesMasterIdLst>
+    <p:notesMasterId r:id="rId10"/>
+  </p:notesMasterIdLst>
   <p:sldIdLst>
     <p:sldId id="256" r:id="rId2"/>
-    <p:sldId id="257" r:id="rId3"/>
-    <p:sldId id="265" r:id="rId4"/>
+    <p:sldId id="265" r:id="rId3"/>
+    <p:sldId id="257" r:id="rId4"/>
     <p:sldId id="258" r:id="rId5"/>
     <p:sldId id="264" r:id="rId6"/>
     <p:sldId id="266" r:id="rId7"/>
@@ -112,6 +115,356 @@
     </a:lvl9pPr>
   </p:defaultTextStyle>
 </p:presentation>
+</file>
+
+<file path=ppt/notesMasters/notesMaster1.xml><?xml version="1.0" encoding="utf-8"?>
+<p:notesMaster xmlns:a="http://schemas.openxmlformats.org/drawingml/2006/main" xmlns:r="http://schemas.openxmlformats.org/officeDocument/2006/relationships" xmlns:p="http://schemas.openxmlformats.org/presentationml/2006/main">
+  <p:cSld>
+    <p:bg>
+      <p:bgRef idx="1001">
+        <a:schemeClr val="bg1"/>
+      </p:bgRef>
+    </p:bg>
+    <p:spTree>
+      <p:nvGrpSpPr>
+        <p:cNvPr id="1" name=""/>
+        <p:cNvGrpSpPr/>
+        <p:nvPr/>
+      </p:nvGrpSpPr>
+      <p:grpSpPr>
+        <a:xfrm>
+          <a:off x="0" y="0"/>
+          <a:ext cx="0" cy="0"/>
+          <a:chOff x="0" y="0"/>
+          <a:chExt cx="0" cy="0"/>
+        </a:xfrm>
+      </p:grpSpPr>
+      <p:sp>
+        <p:nvSpPr>
+          <p:cNvPr id="2" name="Header Placeholder 1"/>
+          <p:cNvSpPr>
+            <a:spLocks noGrp="1"/>
+          </p:cNvSpPr>
+          <p:nvPr>
+            <p:ph type="hdr" sz="quarter"/>
+          </p:nvPr>
+        </p:nvSpPr>
+        <p:spPr>
+          <a:xfrm>
+            <a:off x="0" y="0"/>
+            <a:ext cx="2971800" cy="458788"/>
+          </a:xfrm>
+          <a:prstGeom prst="rect">
+            <a:avLst/>
+          </a:prstGeom>
+        </p:spPr>
+        <p:txBody>
+          <a:bodyPr vert="horz" lIns="91440" tIns="45720" rIns="91440" bIns="45720" rtlCol="0"/>
+          <a:lstStyle>
+            <a:lvl1pPr algn="l">
+              <a:defRPr sz="1200"/>
+            </a:lvl1pPr>
+          </a:lstStyle>
+          <a:p>
+            <a:endParaRPr lang="en-US"/>
+          </a:p>
+        </p:txBody>
+      </p:sp>
+      <p:sp>
+        <p:nvSpPr>
+          <p:cNvPr id="3" name="Date Placeholder 2"/>
+          <p:cNvSpPr>
+            <a:spLocks noGrp="1"/>
+          </p:cNvSpPr>
+          <p:nvPr>
+            <p:ph type="dt" idx="1"/>
+          </p:nvPr>
+        </p:nvSpPr>
+        <p:spPr>
+          <a:xfrm>
+            <a:off x="3884613" y="0"/>
+            <a:ext cx="2971800" cy="458788"/>
+          </a:xfrm>
+          <a:prstGeom prst="rect">
+            <a:avLst/>
+          </a:prstGeom>
+        </p:spPr>
+        <p:txBody>
+          <a:bodyPr vert="horz" lIns="91440" tIns="45720" rIns="91440" bIns="45720" rtlCol="0"/>
+          <a:lstStyle>
+            <a:lvl1pPr algn="r">
+              <a:defRPr sz="1200"/>
+            </a:lvl1pPr>
+          </a:lstStyle>
+          <a:p>
+            <a:fld id="{3CE849ED-6AF1-F648-A63F-F5D0DB6D0E0B}" type="datetimeFigureOut">
+              <a:rPr lang="en-US" smtClean="0"/>
+              <a:t>1/11/17</a:t>
+            </a:fld>
+            <a:endParaRPr lang="en-US"/>
+          </a:p>
+        </p:txBody>
+      </p:sp>
+      <p:sp>
+        <p:nvSpPr>
+          <p:cNvPr id="4" name="Slide Image Placeholder 3"/>
+          <p:cNvSpPr>
+            <a:spLocks noGrp="1" noRot="1" noChangeAspect="1"/>
+          </p:cNvSpPr>
+          <p:nvPr>
+            <p:ph type="sldImg" idx="2"/>
+          </p:nvPr>
+        </p:nvSpPr>
+        <p:spPr>
+          <a:xfrm>
+            <a:off x="685800" y="1143000"/>
+            <a:ext cx="5486400" cy="3086100"/>
+          </a:xfrm>
+          <a:prstGeom prst="rect">
+            <a:avLst/>
+          </a:prstGeom>
+          <a:noFill/>
+          <a:ln w="12700">
+            <a:solidFill>
+              <a:prstClr val="black"/>
+            </a:solidFill>
+          </a:ln>
+        </p:spPr>
+        <p:txBody>
+          <a:bodyPr vert="horz" lIns="91440" tIns="45720" rIns="91440" bIns="45720" rtlCol="0" anchor="ctr"/>
+          <a:lstStyle/>
+          <a:p>
+            <a:endParaRPr lang="en-US"/>
+          </a:p>
+        </p:txBody>
+      </p:sp>
+      <p:sp>
+        <p:nvSpPr>
+          <p:cNvPr id="5" name="Notes Placeholder 4"/>
+          <p:cNvSpPr>
+            <a:spLocks noGrp="1"/>
+          </p:cNvSpPr>
+          <p:nvPr>
+            <p:ph type="body" sz="quarter" idx="3"/>
+          </p:nvPr>
+        </p:nvSpPr>
+        <p:spPr>
+          <a:xfrm>
+            <a:off x="685800" y="4400550"/>
+            <a:ext cx="5486400" cy="3600450"/>
+          </a:xfrm>
+          <a:prstGeom prst="rect">
+            <a:avLst/>
+          </a:prstGeom>
+        </p:spPr>
+        <p:txBody>
+          <a:bodyPr vert="horz" lIns="91440" tIns="45720" rIns="91440" bIns="45720" rtlCol="0"/>
+          <a:lstStyle/>
+          <a:p>
+            <a:pPr lvl="0"/>
+            <a:r>
+              <a:rPr lang="en-US" smtClean="0"/>
+              <a:t>Click to edit Master text styles</a:t>
+            </a:r>
+          </a:p>
+          <a:p>
+            <a:pPr lvl="1"/>
+            <a:r>
+              <a:rPr lang="en-US" smtClean="0"/>
+              <a:t>Second level</a:t>
+            </a:r>
+          </a:p>
+          <a:p>
+            <a:pPr lvl="2"/>
+            <a:r>
+              <a:rPr lang="en-US" smtClean="0"/>
+              <a:t>Third level</a:t>
+            </a:r>
+          </a:p>
+          <a:p>
+            <a:pPr lvl="3"/>
+            <a:r>
+              <a:rPr lang="en-US" smtClean="0"/>
+              <a:t>Fourth level</a:t>
+            </a:r>
+          </a:p>
+          <a:p>
+            <a:pPr lvl="4"/>
+            <a:r>
+              <a:rPr lang="en-US" smtClean="0"/>
+              <a:t>Fifth level</a:t>
+            </a:r>
+            <a:endParaRPr lang="en-US"/>
+          </a:p>
+        </p:txBody>
+      </p:sp>
+      <p:sp>
+        <p:nvSpPr>
+          <p:cNvPr id="6" name="Footer Placeholder 5"/>
+          <p:cNvSpPr>
+            <a:spLocks noGrp="1"/>
+          </p:cNvSpPr>
+          <p:nvPr>
+            <p:ph type="ftr" sz="quarter" idx="4"/>
+          </p:nvPr>
+        </p:nvSpPr>
+        <p:spPr>
+          <a:xfrm>
+            <a:off x="0" y="8685213"/>
+            <a:ext cx="2971800" cy="458787"/>
+          </a:xfrm>
+          <a:prstGeom prst="rect">
+            <a:avLst/>
+          </a:prstGeom>
+        </p:spPr>
+        <p:txBody>
+          <a:bodyPr vert="horz" lIns="91440" tIns="45720" rIns="91440" bIns="45720" rtlCol="0" anchor="b"/>
+          <a:lstStyle>
+            <a:lvl1pPr algn="l">
+              <a:defRPr sz="1200"/>
+            </a:lvl1pPr>
+          </a:lstStyle>
+          <a:p>
+            <a:endParaRPr lang="en-US"/>
+          </a:p>
+        </p:txBody>
+      </p:sp>
+      <p:sp>
+        <p:nvSpPr>
+          <p:cNvPr id="7" name="Slide Number Placeholder 6"/>
+          <p:cNvSpPr>
+            <a:spLocks noGrp="1"/>
+          </p:cNvSpPr>
+          <p:nvPr>
+            <p:ph type="sldNum" sz="quarter" idx="5"/>
+          </p:nvPr>
+        </p:nvSpPr>
+        <p:spPr>
+          <a:xfrm>
+            <a:off x="3884613" y="8685213"/>
+            <a:ext cx="2971800" cy="458787"/>
+          </a:xfrm>
+          <a:prstGeom prst="rect">
+            <a:avLst/>
+          </a:prstGeom>
+        </p:spPr>
+        <p:txBody>
+          <a:bodyPr vert="horz" lIns="91440" tIns="45720" rIns="91440" bIns="45720" rtlCol="0" anchor="b"/>
+          <a:lstStyle>
+            <a:lvl1pPr algn="r">
+              <a:defRPr sz="1200"/>
+            </a:lvl1pPr>
+          </a:lstStyle>
+          <a:p>
+            <a:fld id="{C169CDF3-A42B-7B49-9398-78597906168E}" type="slidenum">
+              <a:rPr lang="en-US" smtClean="0"/>
+              <a:t>‹#›</a:t>
+            </a:fld>
+            <a:endParaRPr lang="en-US"/>
+          </a:p>
+        </p:txBody>
+      </p:sp>
+    </p:spTree>
+    <p:extLst>
+      <p:ext uri="{BB962C8B-B14F-4D97-AF65-F5344CB8AC3E}">
+        <p14:creationId xmlns:p14="http://schemas.microsoft.com/office/powerpoint/2010/main" val="513780335"/>
+      </p:ext>
+    </p:extLst>
+  </p:cSld>
+  <p:clrMap bg1="lt1" tx1="dk1" bg2="lt2" tx2="dk2" accent1="accent1" accent2="accent2" accent3="accent3" accent4="accent4" accent5="accent5" accent6="accent6" hlink="hlink" folHlink="folHlink"/>
+  <p:notesStyle>
+    <a:lvl1pPr marL="0" algn="l" defTabSz="914400" rtl="0" eaLnBrk="1" latinLnBrk="0" hangingPunct="1">
+      <a:defRPr sz="1200" kern="1200">
+        <a:solidFill>
+          <a:schemeClr val="tx1"/>
+        </a:solidFill>
+        <a:latin typeface="+mn-lt"/>
+        <a:ea typeface="+mn-ea"/>
+        <a:cs typeface="+mn-cs"/>
+      </a:defRPr>
+    </a:lvl1pPr>
+    <a:lvl2pPr marL="457200" algn="l" defTabSz="914400" rtl="0" eaLnBrk="1" latinLnBrk="0" hangingPunct="1">
+      <a:defRPr sz="1200" kern="1200">
+        <a:solidFill>
+          <a:schemeClr val="tx1"/>
+        </a:solidFill>
+        <a:latin typeface="+mn-lt"/>
+        <a:ea typeface="+mn-ea"/>
+        <a:cs typeface="+mn-cs"/>
+      </a:defRPr>
+    </a:lvl2pPr>
+    <a:lvl3pPr marL="914400" algn="l" defTabSz="914400" rtl="0" eaLnBrk="1" latinLnBrk="0" hangingPunct="1">
+      <a:defRPr sz="1200" kern="1200">
+        <a:solidFill>
+          <a:schemeClr val="tx1"/>
+        </a:solidFill>
+        <a:latin typeface="+mn-lt"/>
+        <a:ea typeface="+mn-ea"/>
+        <a:cs typeface="+mn-cs"/>
+      </a:defRPr>
+    </a:lvl3pPr>
+    <a:lvl4pPr marL="1371600" algn="l" defTabSz="914400" rtl="0" eaLnBrk="1" latinLnBrk="0" hangingPunct="1">
+      <a:defRPr sz="1200" kern="1200">
+        <a:solidFill>
+          <a:schemeClr val="tx1"/>
+        </a:solidFill>
+        <a:latin typeface="+mn-lt"/>
+        <a:ea typeface="+mn-ea"/>
+        <a:cs typeface="+mn-cs"/>
+      </a:defRPr>
+    </a:lvl4pPr>
+    <a:lvl5pPr marL="1828800" algn="l" defTabSz="914400" rtl="0" eaLnBrk="1" latinLnBrk="0" hangingPunct="1">
+      <a:defRPr sz="1200" kern="1200">
+        <a:solidFill>
+          <a:schemeClr val="tx1"/>
+        </a:solidFill>
+        <a:latin typeface="+mn-lt"/>
+        <a:ea typeface="+mn-ea"/>
+        <a:cs typeface="+mn-cs"/>
+      </a:defRPr>
+    </a:lvl5pPr>
+    <a:lvl6pPr marL="2286000" algn="l" defTabSz="914400" rtl="0" eaLnBrk="1" latinLnBrk="0" hangingPunct="1">
+      <a:defRPr sz="1200" kern="1200">
+        <a:solidFill>
+          <a:schemeClr val="tx1"/>
+        </a:solidFill>
+        <a:latin typeface="+mn-lt"/>
+        <a:ea typeface="+mn-ea"/>
+        <a:cs typeface="+mn-cs"/>
+      </a:defRPr>
+    </a:lvl6pPr>
+    <a:lvl7pPr marL="2743200" algn="l" defTabSz="914400" rtl="0" eaLnBrk="1" latinLnBrk="0" hangingPunct="1">
+      <a:defRPr sz="1200" kern="1200">
+        <a:solidFill>
+          <a:schemeClr val="tx1"/>
+        </a:solidFill>
+        <a:latin typeface="+mn-lt"/>
+        <a:ea typeface="+mn-ea"/>
+        <a:cs typeface="+mn-cs"/>
+      </a:defRPr>
+    </a:lvl7pPr>
+    <a:lvl8pPr marL="3200400" algn="l" defTabSz="914400" rtl="0" eaLnBrk="1" latinLnBrk="0" hangingPunct="1">
+      <a:defRPr sz="1200" kern="1200">
+        <a:solidFill>
+          <a:schemeClr val="tx1"/>
+        </a:solidFill>
+        <a:latin typeface="+mn-lt"/>
+        <a:ea typeface="+mn-ea"/>
+        <a:cs typeface="+mn-cs"/>
+      </a:defRPr>
+    </a:lvl8pPr>
+    <a:lvl9pPr marL="3657600" algn="l" defTabSz="914400" rtl="0" eaLnBrk="1" latinLnBrk="0" hangingPunct="1">
+      <a:defRPr sz="1200" kern="1200">
+        <a:solidFill>
+          <a:schemeClr val="tx1"/>
+        </a:solidFill>
+        <a:latin typeface="+mn-lt"/>
+        <a:ea typeface="+mn-ea"/>
+        <a:cs typeface="+mn-cs"/>
+      </a:defRPr>
+    </a:lvl9pPr>
+  </p:notesStyle>
+</p:notesMaster>
 </file>
 
 <file path=ppt/slideLayouts/slideLayout1.xml><?xml version="1.0" encoding="utf-8"?>
@@ -4033,685 +4386,26 @@
           <a:bodyPr/>
           <a:lstStyle/>
           <a:p>
-            <a:r>
-              <a:rPr lang="en-US" altLang="zh-CN" dirty="0" smtClean="0"/>
-              <a:t>Project</a:t>
-            </a:r>
-            <a:r>
-              <a:rPr lang="zh-CN" altLang="en-US" dirty="0" smtClean="0"/>
-              <a:t> </a:t>
-            </a:r>
-            <a:r>
-              <a:rPr lang="en-US" altLang="zh-CN" dirty="0" smtClean="0"/>
-              <a:t>definition</a:t>
-            </a:r>
-            <a:endParaRPr lang="en-US" dirty="0"/>
-          </a:p>
-        </p:txBody>
-      </p:sp>
-      <p:sp>
-        <p:nvSpPr>
-          <p:cNvPr id="3" name="Content Placeholder 2"/>
-          <p:cNvSpPr>
-            <a:spLocks noGrp="1"/>
-          </p:cNvSpPr>
-          <p:nvPr>
-            <p:ph idx="1"/>
-          </p:nvPr>
-        </p:nvSpPr>
-        <p:spPr>
-          <a:xfrm>
-            <a:off x="1371600" y="1496291"/>
-            <a:ext cx="4821382" cy="4946073"/>
-          </a:xfrm>
-        </p:spPr>
-        <p:txBody>
-          <a:bodyPr>
-            <a:normAutofit/>
-          </a:bodyPr>
-          <a:lstStyle/>
-          <a:p>
-            <a:r>
-              <a:rPr lang="en-US" altLang="zh-CN" dirty="0" smtClean="0"/>
-              <a:t>We</a:t>
-            </a:r>
-            <a:r>
-              <a:rPr lang="zh-CN" altLang="en-US" dirty="0" smtClean="0"/>
-              <a:t> </a:t>
-            </a:r>
-            <a:r>
-              <a:rPr lang="en-US" altLang="zh-CN" dirty="0" smtClean="0"/>
-              <a:t>aim</a:t>
-            </a:r>
-            <a:r>
-              <a:rPr lang="zh-CN" altLang="en-US" dirty="0" smtClean="0"/>
-              <a:t> </a:t>
-            </a:r>
-            <a:r>
-              <a:rPr lang="en-US" altLang="zh-CN" dirty="0" smtClean="0"/>
-              <a:t>to</a:t>
-            </a:r>
-            <a:r>
-              <a:rPr lang="zh-CN" altLang="en-US" dirty="0" smtClean="0"/>
-              <a:t> </a:t>
-            </a:r>
-            <a:r>
-              <a:rPr lang="en-US" altLang="zh-CN" dirty="0" smtClean="0"/>
-              <a:t>provide</a:t>
-            </a:r>
-            <a:r>
-              <a:rPr lang="zh-CN" altLang="en-US" dirty="0" smtClean="0"/>
-              <a:t> </a:t>
-            </a:r>
-            <a:r>
-              <a:rPr lang="en-US" altLang="zh-CN" dirty="0" smtClean="0"/>
-              <a:t>a</a:t>
-            </a:r>
-            <a:r>
-              <a:rPr lang="zh-CN" altLang="en-US" dirty="0" smtClean="0"/>
-              <a:t> </a:t>
-            </a:r>
-            <a:r>
-              <a:rPr lang="en-US" altLang="zh-CN" dirty="0" smtClean="0"/>
-              <a:t>python</a:t>
-            </a:r>
-            <a:r>
-              <a:rPr lang="zh-CN" altLang="en-US" dirty="0" smtClean="0"/>
-              <a:t> </a:t>
-            </a:r>
-            <a:r>
-              <a:rPr lang="en-US" altLang="zh-CN" dirty="0" smtClean="0"/>
-              <a:t>library</a:t>
-            </a:r>
-            <a:r>
-              <a:rPr lang="zh-CN" altLang="en-US" dirty="0" smtClean="0"/>
-              <a:t> </a:t>
-            </a:r>
-            <a:r>
-              <a:rPr lang="en-US" altLang="zh-CN" dirty="0" smtClean="0"/>
-              <a:t>for</a:t>
-            </a:r>
-            <a:r>
-              <a:rPr lang="zh-CN" altLang="en-US" dirty="0" smtClean="0"/>
-              <a:t> </a:t>
-            </a:r>
-            <a:r>
-              <a:rPr lang="en-US" altLang="zh-CN" dirty="0" smtClean="0"/>
-              <a:t>time</a:t>
-            </a:r>
-            <a:r>
-              <a:rPr lang="zh-CN" altLang="en-US" dirty="0" smtClean="0"/>
-              <a:t> </a:t>
-            </a:r>
-            <a:r>
-              <a:rPr lang="en-US" altLang="zh-CN" dirty="0" smtClean="0"/>
-              <a:t>series</a:t>
-            </a:r>
-            <a:r>
-              <a:rPr lang="zh-CN" altLang="en-US" dirty="0" smtClean="0"/>
-              <a:t> </a:t>
-            </a:r>
-            <a:r>
-              <a:rPr lang="en-US" altLang="zh-CN" dirty="0" smtClean="0"/>
-              <a:t>analysis</a:t>
-            </a:r>
-            <a:r>
-              <a:rPr lang="zh-CN" altLang="en-US" dirty="0" smtClean="0"/>
-              <a:t> </a:t>
-            </a:r>
-            <a:r>
-              <a:rPr lang="en-US" altLang="zh-CN" dirty="0" smtClean="0"/>
-              <a:t>of</a:t>
-            </a:r>
-            <a:r>
-              <a:rPr lang="zh-CN" altLang="en-US" dirty="0" smtClean="0"/>
-              <a:t> </a:t>
-            </a:r>
-            <a:r>
-              <a:rPr lang="en-US" altLang="zh-CN" dirty="0" smtClean="0"/>
-              <a:t>financial</a:t>
-            </a:r>
-            <a:r>
-              <a:rPr lang="zh-CN" altLang="en-US" dirty="0" smtClean="0"/>
-              <a:t> </a:t>
-            </a:r>
-            <a:r>
-              <a:rPr lang="en-US" altLang="zh-CN" dirty="0" smtClean="0"/>
-              <a:t>data,</a:t>
-            </a:r>
-            <a:r>
-              <a:rPr lang="zh-CN" altLang="en-US" dirty="0" smtClean="0"/>
-              <a:t> </a:t>
-            </a:r>
-            <a:r>
-              <a:rPr lang="en-US" altLang="zh-CN" dirty="0" smtClean="0"/>
-              <a:t>i.e.,</a:t>
-            </a:r>
-            <a:r>
-              <a:rPr lang="zh-CN" altLang="en-US" dirty="0" smtClean="0"/>
-              <a:t> </a:t>
-            </a:r>
-            <a:r>
-              <a:rPr lang="en-US" altLang="zh-CN" dirty="0" smtClean="0"/>
-              <a:t>stock</a:t>
-            </a:r>
-            <a:r>
-              <a:rPr lang="zh-CN" altLang="en-US" dirty="0" smtClean="0"/>
-              <a:t> </a:t>
-            </a:r>
-            <a:r>
-              <a:rPr lang="en-US" altLang="zh-CN" dirty="0" smtClean="0"/>
-              <a:t>price</a:t>
-            </a:r>
-          </a:p>
-          <a:p>
-            <a:endParaRPr lang="en-US" altLang="zh-CN" dirty="0"/>
-          </a:p>
-          <a:p>
-            <a:r>
-              <a:rPr lang="en-US" altLang="zh-CN" dirty="0" smtClean="0"/>
-              <a:t>We</a:t>
-            </a:r>
-            <a:r>
-              <a:rPr lang="zh-CN" altLang="en-US" dirty="0" smtClean="0"/>
-              <a:t> </a:t>
-            </a:r>
-            <a:r>
-              <a:rPr lang="en-US" altLang="zh-CN" dirty="0" smtClean="0"/>
-              <a:t>choose</a:t>
-            </a:r>
-            <a:r>
-              <a:rPr lang="zh-CN" altLang="en-US" dirty="0" smtClean="0"/>
-              <a:t> </a:t>
-            </a:r>
-            <a:r>
-              <a:rPr lang="en-US" altLang="zh-CN" dirty="0" smtClean="0"/>
-              <a:t>Python</a:t>
-            </a:r>
-            <a:r>
-              <a:rPr lang="zh-CN" altLang="en-US" dirty="0" smtClean="0"/>
-              <a:t> </a:t>
-            </a:r>
-            <a:r>
-              <a:rPr lang="en-US" altLang="zh-CN" dirty="0" smtClean="0"/>
-              <a:t>since</a:t>
-            </a:r>
-            <a:r>
-              <a:rPr lang="zh-CN" altLang="en-US" dirty="0" smtClean="0"/>
-              <a:t> </a:t>
-            </a:r>
-            <a:r>
-              <a:rPr lang="en-US" altLang="zh-CN" dirty="0" smtClean="0"/>
-              <a:t>it’s</a:t>
-            </a:r>
-            <a:r>
-              <a:rPr lang="zh-CN" altLang="en-US" dirty="0" smtClean="0"/>
-              <a:t> </a:t>
-            </a:r>
-            <a:r>
-              <a:rPr lang="en-US" altLang="zh-CN" dirty="0" smtClean="0"/>
-              <a:t>free,</a:t>
-            </a:r>
-            <a:r>
-              <a:rPr lang="zh-CN" altLang="en-US" dirty="0" smtClean="0"/>
-              <a:t> </a:t>
-            </a:r>
-            <a:r>
-              <a:rPr lang="en-US" altLang="zh-CN" dirty="0" smtClean="0"/>
-              <a:t>and</a:t>
-            </a:r>
-            <a:r>
-              <a:rPr lang="zh-CN" altLang="en-US" dirty="0" smtClean="0"/>
-              <a:t> </a:t>
-            </a:r>
-            <a:r>
-              <a:rPr lang="en-US" altLang="zh-CN" dirty="0" smtClean="0"/>
-              <a:t>widely</a:t>
-            </a:r>
-            <a:r>
-              <a:rPr lang="zh-CN" altLang="en-US" dirty="0" smtClean="0"/>
-              <a:t> </a:t>
-            </a:r>
-            <a:r>
-              <a:rPr lang="en-US" altLang="zh-CN" dirty="0" smtClean="0"/>
-              <a:t>distributed.</a:t>
-            </a:r>
-            <a:r>
-              <a:rPr lang="zh-CN" altLang="en-US" dirty="0" smtClean="0"/>
-              <a:t> </a:t>
-            </a:r>
-            <a:endParaRPr lang="en-US" altLang="zh-CN" dirty="0" smtClean="0"/>
-          </a:p>
-          <a:p>
-            <a:r>
-              <a:rPr lang="en-US" altLang="zh-CN" dirty="0" smtClean="0"/>
-              <a:t>There</a:t>
-            </a:r>
-            <a:r>
-              <a:rPr lang="zh-CN" altLang="en-US" dirty="0" smtClean="0"/>
-              <a:t> </a:t>
-            </a:r>
-            <a:r>
-              <a:rPr lang="en-US" altLang="zh-CN" dirty="0" smtClean="0"/>
-              <a:t>are</a:t>
-            </a:r>
-            <a:r>
-              <a:rPr lang="zh-CN" altLang="en-US" dirty="0" smtClean="0"/>
-              <a:t> </a:t>
-            </a:r>
-            <a:r>
-              <a:rPr lang="en-US" altLang="zh-CN" dirty="0" smtClean="0"/>
-              <a:t>many</a:t>
-            </a:r>
-            <a:r>
-              <a:rPr lang="zh-CN" altLang="en-US" dirty="0" smtClean="0"/>
-              <a:t> </a:t>
-            </a:r>
-            <a:r>
-              <a:rPr lang="en-US" altLang="zh-CN" dirty="0" smtClean="0"/>
-              <a:t>powerful</a:t>
-            </a:r>
-            <a:r>
-              <a:rPr lang="zh-CN" altLang="en-US" dirty="0" smtClean="0"/>
-              <a:t> </a:t>
-            </a:r>
-            <a:r>
-              <a:rPr lang="en-US" altLang="zh-CN" dirty="0" smtClean="0"/>
-              <a:t>packages</a:t>
-            </a:r>
-            <a:r>
-              <a:rPr lang="zh-CN" altLang="en-US" dirty="0" smtClean="0"/>
-              <a:t> </a:t>
-            </a:r>
-            <a:r>
-              <a:rPr lang="en-US" altLang="zh-CN" dirty="0" smtClean="0"/>
-              <a:t>available,</a:t>
-            </a:r>
-            <a:r>
-              <a:rPr lang="zh-CN" altLang="en-US" dirty="0" smtClean="0"/>
-              <a:t> </a:t>
-            </a:r>
-            <a:r>
-              <a:rPr lang="en-US" altLang="zh-CN" dirty="0" smtClean="0"/>
-              <a:t>e.g.,</a:t>
-            </a:r>
-            <a:r>
-              <a:rPr lang="zh-CN" altLang="en-US" dirty="0" smtClean="0"/>
-              <a:t> </a:t>
-            </a:r>
-            <a:r>
-              <a:rPr lang="en-US" altLang="zh-CN" dirty="0" err="1" smtClean="0"/>
-              <a:t>numpy</a:t>
-            </a:r>
-            <a:r>
-              <a:rPr lang="zh-CN" altLang="en-US" dirty="0"/>
-              <a:t> </a:t>
-            </a:r>
-            <a:r>
-              <a:rPr lang="en-US" altLang="zh-CN" dirty="0" smtClean="0"/>
-              <a:t>(linear</a:t>
-            </a:r>
-            <a:r>
-              <a:rPr lang="zh-CN" altLang="en-US" dirty="0" smtClean="0"/>
-              <a:t> </a:t>
-            </a:r>
-            <a:r>
-              <a:rPr lang="en-US" altLang="zh-CN" dirty="0" smtClean="0"/>
-              <a:t>algebra),</a:t>
-            </a:r>
-            <a:r>
-              <a:rPr lang="zh-CN" altLang="en-US" dirty="0" smtClean="0"/>
-              <a:t> </a:t>
-            </a:r>
-            <a:r>
-              <a:rPr lang="en-US" altLang="zh-CN" dirty="0" err="1" smtClean="0"/>
-              <a:t>sicpy</a:t>
-            </a:r>
-            <a:r>
-              <a:rPr lang="zh-CN" altLang="en-US" dirty="0" smtClean="0"/>
-              <a:t> </a:t>
-            </a:r>
-            <a:r>
-              <a:rPr lang="en-US" altLang="zh-CN" dirty="0" smtClean="0"/>
-              <a:t>(scientific</a:t>
-            </a:r>
-            <a:r>
-              <a:rPr lang="zh-CN" altLang="en-US" dirty="0" smtClean="0"/>
-              <a:t> </a:t>
-            </a:r>
-            <a:r>
-              <a:rPr lang="en-US" altLang="zh-CN" dirty="0" smtClean="0"/>
-              <a:t>computation),</a:t>
-            </a:r>
-            <a:r>
-              <a:rPr lang="zh-CN" altLang="en-US" dirty="0" smtClean="0"/>
-              <a:t> </a:t>
-            </a:r>
-            <a:r>
-              <a:rPr lang="en-US" altLang="zh-CN" dirty="0" err="1" smtClean="0"/>
-              <a:t>pyplot</a:t>
-            </a:r>
-            <a:r>
-              <a:rPr lang="zh-CN" altLang="en-US" dirty="0" smtClean="0"/>
-              <a:t> </a:t>
-            </a:r>
-            <a:r>
-              <a:rPr lang="en-US" altLang="zh-CN" dirty="0" smtClean="0"/>
-              <a:t>(visualization)</a:t>
-            </a:r>
-          </a:p>
-          <a:p>
-            <a:r>
-              <a:rPr lang="en-US" altLang="zh-CN" dirty="0" smtClean="0"/>
-              <a:t>Object</a:t>
-            </a:r>
-            <a:r>
-              <a:rPr lang="zh-CN" altLang="en-US" dirty="0" smtClean="0"/>
-              <a:t> </a:t>
-            </a:r>
-            <a:r>
-              <a:rPr lang="en-US" altLang="zh-CN" dirty="0" smtClean="0"/>
-              <a:t>orientated</a:t>
-            </a:r>
-            <a:r>
-              <a:rPr lang="zh-CN" altLang="en-US" dirty="0" smtClean="0"/>
-              <a:t> </a:t>
-            </a:r>
-            <a:r>
-              <a:rPr lang="en-US" altLang="zh-CN" dirty="0" smtClean="0"/>
-              <a:t>programming</a:t>
-            </a:r>
-          </a:p>
-          <a:p>
-            <a:r>
-              <a:rPr lang="en-US" altLang="zh-CN" dirty="0" smtClean="0"/>
-              <a:t>Version</a:t>
-            </a:r>
-            <a:r>
-              <a:rPr lang="zh-CN" altLang="en-US" dirty="0" smtClean="0"/>
-              <a:t> </a:t>
-            </a:r>
-            <a:r>
-              <a:rPr lang="en-US" altLang="zh-CN" dirty="0" smtClean="0"/>
-              <a:t>control,</a:t>
-            </a:r>
-            <a:r>
-              <a:rPr lang="zh-CN" altLang="en-US" dirty="0" smtClean="0"/>
-              <a:t> </a:t>
-            </a:r>
-            <a:r>
-              <a:rPr lang="en-US" altLang="zh-CN" dirty="0" err="1" smtClean="0"/>
-              <a:t>Github</a:t>
-            </a:r>
-            <a:r>
-              <a:rPr lang="en-US" altLang="zh-CN" dirty="0" smtClean="0"/>
-              <a:t>,</a:t>
-            </a:r>
-            <a:r>
-              <a:rPr lang="zh-CN" altLang="en-US" dirty="0" smtClean="0"/>
-              <a:t> </a:t>
-            </a:r>
-            <a:r>
-              <a:rPr lang="en-US" altLang="zh-CN" dirty="0" smtClean="0"/>
-              <a:t>collaboration</a:t>
-            </a:r>
-            <a:r>
-              <a:rPr lang="zh-CN" altLang="en-US" dirty="0" smtClean="0"/>
-              <a:t> </a:t>
-            </a:r>
-            <a:r>
-              <a:rPr lang="en-US" altLang="zh-CN" dirty="0" smtClean="0"/>
-              <a:t>between</a:t>
-            </a:r>
-            <a:r>
-              <a:rPr lang="zh-CN" altLang="en-US" dirty="0" smtClean="0"/>
-              <a:t> </a:t>
-            </a:r>
-            <a:r>
-              <a:rPr lang="en-US" altLang="zh-CN" dirty="0" smtClean="0"/>
-              <a:t>6</a:t>
-            </a:r>
-            <a:r>
-              <a:rPr lang="zh-CN" altLang="en-US" dirty="0" smtClean="0"/>
-              <a:t> </a:t>
-            </a:r>
-            <a:r>
-              <a:rPr lang="en-US" altLang="zh-CN" dirty="0" smtClean="0"/>
-              <a:t>group</a:t>
-            </a:r>
-            <a:r>
-              <a:rPr lang="zh-CN" altLang="en-US" dirty="0" smtClean="0"/>
-              <a:t> </a:t>
-            </a:r>
-            <a:r>
-              <a:rPr lang="en-US" altLang="zh-CN" dirty="0" smtClean="0"/>
-              <a:t>members</a:t>
-            </a:r>
-          </a:p>
-          <a:p>
-            <a:endParaRPr lang="en-US" dirty="0"/>
-          </a:p>
-        </p:txBody>
-      </p:sp>
-      <p:pic>
-        <p:nvPicPr>
-          <p:cNvPr id="4" name="Picture 3"/>
-          <p:cNvPicPr>
-            <a:picLocks noChangeAspect="1"/>
-          </p:cNvPicPr>
-          <p:nvPr/>
-        </p:nvPicPr>
-        <p:blipFill>
-          <a:blip r:embed="rId2">
-            <a:extLst>
-              <a:ext uri="{28A0092B-C50C-407E-A947-70E740481C1C}">
-                <a14:useLocalDpi xmlns:a14="http://schemas.microsoft.com/office/drawing/2010/main" val="0"/>
-              </a:ext>
-            </a:extLst>
-          </a:blip>
-          <a:stretch>
-            <a:fillRect/>
-          </a:stretch>
-        </p:blipFill>
-        <p:spPr>
-          <a:xfrm>
-            <a:off x="6192982" y="1658507"/>
-            <a:ext cx="5626100" cy="2921000"/>
-          </a:xfrm>
-          <a:prstGeom prst="rect">
-            <a:avLst/>
-          </a:prstGeom>
-        </p:spPr>
-      </p:pic>
-      <p:sp>
-        <p:nvSpPr>
-          <p:cNvPr id="5" name="TextBox 4"/>
-          <p:cNvSpPr txBox="1"/>
-          <p:nvPr/>
-        </p:nvSpPr>
-        <p:spPr>
-          <a:xfrm>
-            <a:off x="6122075" y="4731802"/>
-            <a:ext cx="5767914" cy="369332"/>
-          </a:xfrm>
-          <a:prstGeom prst="rect">
-            <a:avLst/>
-          </a:prstGeom>
-          <a:noFill/>
-        </p:spPr>
-        <p:txBody>
-          <a:bodyPr wrap="square" rtlCol="0">
-            <a:spAutoFit/>
-          </a:bodyPr>
-          <a:lstStyle/>
-          <a:p>
-            <a:r>
-              <a:rPr lang="en-US" altLang="zh-CN" dirty="0" smtClean="0"/>
-              <a:t>USD</a:t>
-            </a:r>
-            <a:r>
-              <a:rPr lang="zh-CN" altLang="en-US" dirty="0" smtClean="0"/>
-              <a:t> </a:t>
-            </a:r>
-            <a:r>
-              <a:rPr lang="en-US" altLang="zh-CN" dirty="0" smtClean="0"/>
-              <a:t>to</a:t>
-            </a:r>
-            <a:r>
-              <a:rPr lang="zh-CN" altLang="en-US" dirty="0" smtClean="0"/>
-              <a:t> </a:t>
-            </a:r>
-            <a:r>
-              <a:rPr lang="en-US" altLang="zh-CN" dirty="0" smtClean="0"/>
-              <a:t>CNY</a:t>
-            </a:r>
-            <a:r>
-              <a:rPr lang="zh-CN" altLang="en-US" dirty="0" smtClean="0"/>
-              <a:t> </a:t>
-            </a:r>
-            <a:r>
-              <a:rPr lang="en-US" altLang="zh-CN" dirty="0" smtClean="0"/>
-              <a:t>exchange</a:t>
-            </a:r>
-            <a:r>
-              <a:rPr lang="zh-CN" altLang="en-US" dirty="0" smtClean="0"/>
-              <a:t> </a:t>
-            </a:r>
-            <a:r>
-              <a:rPr lang="en-US" altLang="zh-CN" dirty="0" smtClean="0"/>
-              <a:t>rate,</a:t>
-            </a:r>
-            <a:r>
-              <a:rPr lang="zh-CN" altLang="en-US" dirty="0" smtClean="0"/>
-              <a:t> </a:t>
-            </a:r>
-            <a:r>
-              <a:rPr lang="en-US" altLang="zh-CN" dirty="0" smtClean="0"/>
-              <a:t>Nov</a:t>
-            </a:r>
-            <a:r>
-              <a:rPr lang="zh-CN" altLang="en-US" dirty="0" smtClean="0"/>
-              <a:t>  </a:t>
-            </a:r>
-            <a:r>
-              <a:rPr lang="en-US" altLang="zh-CN" dirty="0" smtClean="0"/>
-              <a:t>2015-Nov</a:t>
-            </a:r>
-            <a:r>
-              <a:rPr lang="zh-CN" altLang="en-US" dirty="0" smtClean="0"/>
-              <a:t> </a:t>
-            </a:r>
-            <a:r>
-              <a:rPr lang="en-US" altLang="zh-CN" dirty="0" smtClean="0"/>
-              <a:t>2016.</a:t>
-            </a:r>
-            <a:r>
-              <a:rPr lang="zh-CN" altLang="en-US" dirty="0" smtClean="0"/>
-              <a:t> </a:t>
-            </a:r>
-            <a:r>
-              <a:rPr lang="en-US" altLang="zh-CN" dirty="0" smtClean="0"/>
-              <a:t>Yahoo</a:t>
-            </a:r>
-            <a:endParaRPr lang="en-US" dirty="0"/>
-          </a:p>
-        </p:txBody>
-      </p:sp>
-    </p:spTree>
-    <p:extLst>
-      <p:ext uri="{BB962C8B-B14F-4D97-AF65-F5344CB8AC3E}">
-        <p14:creationId xmlns:p14="http://schemas.microsoft.com/office/powerpoint/2010/main" val="1168873451"/>
-      </p:ext>
-    </p:extLst>
-  </p:cSld>
-  <p:clrMapOvr>
-    <a:masterClrMapping/>
-  </p:clrMapOvr>
-  <p:timing>
-    <p:tnLst>
-      <p:par>
-        <p:cTn id="1" dur="indefinite" restart="never" nodeType="tmRoot"/>
-      </p:par>
-    </p:tnLst>
-  </p:timing>
-</p:sld>
-</file>
-
-<file path=ppt/slides/slide3.xml><?xml version="1.0" encoding="utf-8"?>
-<p:sld xmlns:a="http://schemas.openxmlformats.org/drawingml/2006/main" xmlns:r="http://schemas.openxmlformats.org/officeDocument/2006/relationships" xmlns:p="http://schemas.openxmlformats.org/presentationml/2006/main">
-  <p:cSld>
-    <p:spTree>
-      <p:nvGrpSpPr>
-        <p:cNvPr id="1" name=""/>
-        <p:cNvGrpSpPr/>
-        <p:nvPr/>
-      </p:nvGrpSpPr>
-      <p:grpSpPr>
-        <a:xfrm>
-          <a:off x="0" y="0"/>
-          <a:ext cx="0" cy="0"/>
-          <a:chOff x="0" y="0"/>
-          <a:chExt cx="0" cy="0"/>
-        </a:xfrm>
-      </p:grpSpPr>
-      <p:sp>
-        <p:nvSpPr>
-          <p:cNvPr id="2" name="Title 1"/>
-          <p:cNvSpPr>
-            <a:spLocks noGrp="1"/>
-          </p:cNvSpPr>
-          <p:nvPr>
-            <p:ph type="title"/>
-          </p:nvPr>
-        </p:nvSpPr>
-        <p:spPr/>
-        <p:txBody>
-          <a:bodyPr/>
-          <a:lstStyle/>
-          <a:p>
-            <a:r>
-              <a:rPr lang="en-US" altLang="zh-CN" dirty="0" smtClean="0"/>
-              <a:t>Time</a:t>
-            </a:r>
-            <a:r>
-              <a:rPr lang="zh-CN" altLang="en-US" dirty="0" smtClean="0"/>
-              <a:t> </a:t>
-            </a:r>
-            <a:r>
-              <a:rPr lang="en-US" altLang="zh-CN" dirty="0" smtClean="0"/>
-              <a:t>series</a:t>
-            </a:r>
-            <a:r>
-              <a:rPr lang="zh-CN" altLang="en-US" dirty="0" smtClean="0"/>
-              <a:t> </a:t>
-            </a:r>
-            <a:r>
-              <a:rPr lang="en-US" altLang="zh-CN" dirty="0" smtClean="0"/>
-              <a:t>analysis</a:t>
-            </a:r>
-            <a:r>
-              <a:rPr lang="zh-CN" altLang="en-US" dirty="0" smtClean="0"/>
-              <a:t> </a:t>
-            </a:r>
-            <a:r>
-              <a:rPr lang="en-US" altLang="zh-CN" dirty="0" smtClean="0"/>
-              <a:t>of</a:t>
-            </a:r>
-            <a:r>
-              <a:rPr lang="zh-CN" altLang="en-US" dirty="0" smtClean="0"/>
-              <a:t> </a:t>
-            </a:r>
-            <a:r>
-              <a:rPr lang="en-US" altLang="zh-CN" dirty="0" smtClean="0"/>
-              <a:t>financial</a:t>
-            </a:r>
-            <a:r>
-              <a:rPr lang="zh-CN" altLang="en-US" dirty="0" smtClean="0"/>
-              <a:t> </a:t>
-            </a:r>
-            <a:r>
-              <a:rPr lang="en-US" altLang="zh-CN" dirty="0" smtClean="0"/>
-              <a:t>data</a:t>
+            <a:pPr algn="ctr"/>
+            <a:r>
+              <a:rPr lang="en-US" altLang="zh-CN" dirty="0" smtClean="0"/>
+              <a:t>Sales,</a:t>
+            </a:r>
+            <a:r>
+              <a:rPr lang="zh-CN" altLang="en-US" dirty="0" smtClean="0"/>
+              <a:t> </a:t>
+            </a:r>
+            <a:r>
+              <a:rPr lang="en-US" altLang="zh-CN" dirty="0" smtClean="0"/>
+              <a:t>Trading,</a:t>
+            </a:r>
+            <a:r>
+              <a:rPr lang="zh-CN" altLang="en-US" dirty="0" smtClean="0"/>
+              <a:t> </a:t>
+            </a:r>
+            <a:r>
+              <a:rPr lang="en-US" altLang="zh-CN" dirty="0" smtClean="0"/>
+              <a:t>Research</a:t>
             </a:r>
             <a:endParaRPr lang="en-US" dirty="0"/>
           </a:p>
@@ -4773,6 +4467,642 @@
     <p:extLst>
       <p:ext uri="{BB962C8B-B14F-4D97-AF65-F5344CB8AC3E}">
         <p14:creationId xmlns:p14="http://schemas.microsoft.com/office/powerpoint/2010/main" val="273932948"/>
+      </p:ext>
+    </p:extLst>
+  </p:cSld>
+  <p:clrMapOvr>
+    <a:masterClrMapping/>
+  </p:clrMapOvr>
+  <p:timing>
+    <p:tnLst>
+      <p:par>
+        <p:cTn id="1" dur="indefinite" restart="never" nodeType="tmRoot"/>
+      </p:par>
+    </p:tnLst>
+  </p:timing>
+</p:sld>
+</file>
+
+<file path=ppt/slides/slide3.xml><?xml version="1.0" encoding="utf-8"?>
+<p:sld xmlns:a="http://schemas.openxmlformats.org/drawingml/2006/main" xmlns:r="http://schemas.openxmlformats.org/officeDocument/2006/relationships" xmlns:p="http://schemas.openxmlformats.org/presentationml/2006/main">
+  <p:cSld>
+    <p:spTree>
+      <p:nvGrpSpPr>
+        <p:cNvPr id="1" name=""/>
+        <p:cNvGrpSpPr/>
+        <p:nvPr/>
+      </p:nvGrpSpPr>
+      <p:grpSpPr>
+        <a:xfrm>
+          <a:off x="0" y="0"/>
+          <a:ext cx="0" cy="0"/>
+          <a:chOff x="0" y="0"/>
+          <a:chExt cx="0" cy="0"/>
+        </a:xfrm>
+      </p:grpSpPr>
+      <p:sp>
+        <p:nvSpPr>
+          <p:cNvPr id="2" name="Title 1"/>
+          <p:cNvSpPr>
+            <a:spLocks noGrp="1"/>
+          </p:cNvSpPr>
+          <p:nvPr>
+            <p:ph type="title"/>
+          </p:nvPr>
+        </p:nvSpPr>
+        <p:spPr/>
+        <p:txBody>
+          <a:bodyPr/>
+          <a:lstStyle/>
+          <a:p>
+            <a:r>
+              <a:rPr lang="en-US" altLang="zh-CN" dirty="0" smtClean="0"/>
+              <a:t>Project</a:t>
+            </a:r>
+            <a:r>
+              <a:rPr lang="zh-CN" altLang="en-US" dirty="0" smtClean="0"/>
+              <a:t> </a:t>
+            </a:r>
+            <a:r>
+              <a:rPr lang="en-US" altLang="zh-CN" dirty="0" smtClean="0"/>
+              <a:t>definition</a:t>
+            </a:r>
+            <a:endParaRPr lang="en-US" dirty="0"/>
+          </a:p>
+        </p:txBody>
+      </p:sp>
+      <p:sp>
+        <p:nvSpPr>
+          <p:cNvPr id="3" name="Content Placeholder 2"/>
+          <p:cNvSpPr>
+            <a:spLocks noGrp="1"/>
+          </p:cNvSpPr>
+          <p:nvPr>
+            <p:ph idx="1"/>
+          </p:nvPr>
+        </p:nvSpPr>
+        <p:spPr>
+          <a:xfrm>
+            <a:off x="1371600" y="1496291"/>
+            <a:ext cx="4821382" cy="4946073"/>
+          </a:xfrm>
+        </p:spPr>
+        <p:txBody>
+          <a:bodyPr>
+            <a:normAutofit/>
+          </a:bodyPr>
+          <a:lstStyle/>
+          <a:p>
+            <a:r>
+              <a:rPr lang="en-US" altLang="zh-CN" dirty="0" smtClean="0"/>
+              <a:t>We</a:t>
+            </a:r>
+            <a:r>
+              <a:rPr lang="zh-CN" altLang="en-US" dirty="0" smtClean="0"/>
+              <a:t> </a:t>
+            </a:r>
+            <a:r>
+              <a:rPr lang="en-US" altLang="zh-CN" dirty="0" smtClean="0"/>
+              <a:t>aim</a:t>
+            </a:r>
+            <a:r>
+              <a:rPr lang="zh-CN" altLang="en-US" dirty="0" smtClean="0"/>
+              <a:t> </a:t>
+            </a:r>
+            <a:r>
+              <a:rPr lang="en-US" altLang="zh-CN" dirty="0" smtClean="0"/>
+              <a:t>to</a:t>
+            </a:r>
+            <a:r>
+              <a:rPr lang="zh-CN" altLang="en-US" dirty="0" smtClean="0"/>
+              <a:t> </a:t>
+            </a:r>
+            <a:r>
+              <a:rPr lang="en-US" altLang="zh-CN" dirty="0" smtClean="0"/>
+              <a:t>provide</a:t>
+            </a:r>
+            <a:r>
+              <a:rPr lang="zh-CN" altLang="en-US" dirty="0" smtClean="0"/>
+              <a:t> </a:t>
+            </a:r>
+            <a:r>
+              <a:rPr lang="en-US" altLang="zh-CN" dirty="0" smtClean="0"/>
+              <a:t>a</a:t>
+            </a:r>
+            <a:r>
+              <a:rPr lang="zh-CN" altLang="en-US" dirty="0" smtClean="0"/>
+              <a:t> </a:t>
+            </a:r>
+            <a:r>
+              <a:rPr lang="en-US" altLang="zh-CN" dirty="0" smtClean="0"/>
+              <a:t>python</a:t>
+            </a:r>
+            <a:r>
+              <a:rPr lang="zh-CN" altLang="en-US" dirty="0" smtClean="0"/>
+              <a:t> </a:t>
+            </a:r>
+            <a:r>
+              <a:rPr lang="en-US" altLang="zh-CN" dirty="0" smtClean="0"/>
+              <a:t>library</a:t>
+            </a:r>
+            <a:r>
+              <a:rPr lang="zh-CN" altLang="en-US" dirty="0" smtClean="0"/>
+              <a:t> </a:t>
+            </a:r>
+            <a:r>
+              <a:rPr lang="en-US" altLang="zh-CN" dirty="0" smtClean="0"/>
+              <a:t>for</a:t>
+            </a:r>
+            <a:r>
+              <a:rPr lang="zh-CN" altLang="en-US" dirty="0" smtClean="0"/>
+              <a:t> </a:t>
+            </a:r>
+            <a:r>
+              <a:rPr lang="en-US" altLang="zh-CN" dirty="0" smtClean="0"/>
+              <a:t>time</a:t>
+            </a:r>
+            <a:r>
+              <a:rPr lang="zh-CN" altLang="en-US" dirty="0" smtClean="0"/>
+              <a:t> </a:t>
+            </a:r>
+            <a:r>
+              <a:rPr lang="en-US" altLang="zh-CN" dirty="0" smtClean="0"/>
+              <a:t>series</a:t>
+            </a:r>
+            <a:r>
+              <a:rPr lang="zh-CN" altLang="en-US" dirty="0" smtClean="0"/>
+              <a:t> </a:t>
+            </a:r>
+            <a:r>
+              <a:rPr lang="en-US" altLang="zh-CN" dirty="0" smtClean="0"/>
+              <a:t>analysis</a:t>
+            </a:r>
+            <a:r>
+              <a:rPr lang="zh-CN" altLang="en-US" dirty="0" smtClean="0"/>
+              <a:t> </a:t>
+            </a:r>
+            <a:r>
+              <a:rPr lang="en-US" altLang="zh-CN" dirty="0" smtClean="0"/>
+              <a:t>of</a:t>
+            </a:r>
+            <a:r>
+              <a:rPr lang="zh-CN" altLang="en-US" dirty="0" smtClean="0"/>
+              <a:t> </a:t>
+            </a:r>
+            <a:r>
+              <a:rPr lang="en-US" altLang="zh-CN" dirty="0" smtClean="0"/>
+              <a:t>financial</a:t>
+            </a:r>
+            <a:r>
+              <a:rPr lang="zh-CN" altLang="en-US" dirty="0" smtClean="0"/>
+              <a:t> </a:t>
+            </a:r>
+            <a:r>
+              <a:rPr lang="en-US" altLang="zh-CN" dirty="0" smtClean="0"/>
+              <a:t>data,</a:t>
+            </a:r>
+            <a:r>
+              <a:rPr lang="zh-CN" altLang="en-US" dirty="0" smtClean="0"/>
+              <a:t> </a:t>
+            </a:r>
+            <a:r>
+              <a:rPr lang="en-US" altLang="zh-CN" dirty="0" smtClean="0"/>
+              <a:t>i.e.,</a:t>
+            </a:r>
+            <a:r>
+              <a:rPr lang="zh-CN" altLang="en-US" dirty="0" smtClean="0"/>
+              <a:t> </a:t>
+            </a:r>
+            <a:r>
+              <a:rPr lang="en-US" altLang="zh-CN" dirty="0" smtClean="0"/>
+              <a:t>stock</a:t>
+            </a:r>
+            <a:r>
+              <a:rPr lang="zh-CN" altLang="en-US" dirty="0" smtClean="0"/>
+              <a:t> </a:t>
+            </a:r>
+            <a:r>
+              <a:rPr lang="en-US" altLang="zh-CN" dirty="0" smtClean="0"/>
+              <a:t>price</a:t>
+            </a:r>
+          </a:p>
+          <a:p>
+            <a:endParaRPr lang="en-US" altLang="zh-CN" dirty="0"/>
+          </a:p>
+          <a:p>
+            <a:r>
+              <a:rPr lang="en-US" altLang="zh-CN" dirty="0" smtClean="0"/>
+              <a:t>We</a:t>
+            </a:r>
+            <a:r>
+              <a:rPr lang="zh-CN" altLang="en-US" dirty="0" smtClean="0"/>
+              <a:t> </a:t>
+            </a:r>
+            <a:r>
+              <a:rPr lang="en-US" altLang="zh-CN" dirty="0" smtClean="0"/>
+              <a:t>choose</a:t>
+            </a:r>
+            <a:r>
+              <a:rPr lang="zh-CN" altLang="en-US" dirty="0" smtClean="0"/>
+              <a:t> </a:t>
+            </a:r>
+            <a:r>
+              <a:rPr lang="en-US" altLang="zh-CN" dirty="0" smtClean="0"/>
+              <a:t>Python</a:t>
+            </a:r>
+            <a:r>
+              <a:rPr lang="zh-CN" altLang="en-US" dirty="0" smtClean="0"/>
+              <a:t> </a:t>
+            </a:r>
+            <a:r>
+              <a:rPr lang="en-US" altLang="zh-CN" dirty="0" smtClean="0"/>
+              <a:t>since</a:t>
+            </a:r>
+            <a:r>
+              <a:rPr lang="zh-CN" altLang="en-US" dirty="0" smtClean="0"/>
+              <a:t> </a:t>
+            </a:r>
+            <a:r>
+              <a:rPr lang="en-US" altLang="zh-CN" dirty="0" smtClean="0"/>
+              <a:t>it’s</a:t>
+            </a:r>
+            <a:r>
+              <a:rPr lang="zh-CN" altLang="en-US" dirty="0" smtClean="0"/>
+              <a:t> </a:t>
+            </a:r>
+            <a:r>
+              <a:rPr lang="en-US" altLang="zh-CN" dirty="0" smtClean="0"/>
+              <a:t>free,</a:t>
+            </a:r>
+            <a:r>
+              <a:rPr lang="zh-CN" altLang="en-US" dirty="0" smtClean="0"/>
+              <a:t> </a:t>
+            </a:r>
+            <a:r>
+              <a:rPr lang="en-US" altLang="zh-CN" dirty="0" smtClean="0"/>
+              <a:t>and</a:t>
+            </a:r>
+            <a:r>
+              <a:rPr lang="zh-CN" altLang="en-US" dirty="0" smtClean="0"/>
+              <a:t> </a:t>
+            </a:r>
+            <a:r>
+              <a:rPr lang="en-US" altLang="zh-CN" dirty="0" smtClean="0"/>
+              <a:t>widely</a:t>
+            </a:r>
+            <a:r>
+              <a:rPr lang="zh-CN" altLang="en-US" dirty="0" smtClean="0"/>
+              <a:t> </a:t>
+            </a:r>
+            <a:r>
+              <a:rPr lang="en-US" altLang="zh-CN" dirty="0" smtClean="0"/>
+              <a:t>distributed.</a:t>
+            </a:r>
+            <a:r>
+              <a:rPr lang="zh-CN" altLang="en-US" dirty="0" smtClean="0"/>
+              <a:t> </a:t>
+            </a:r>
+            <a:endParaRPr lang="en-US" altLang="zh-CN" dirty="0" smtClean="0"/>
+          </a:p>
+          <a:p>
+            <a:r>
+              <a:rPr lang="en-US" altLang="zh-CN" dirty="0" smtClean="0"/>
+              <a:t>There</a:t>
+            </a:r>
+            <a:r>
+              <a:rPr lang="zh-CN" altLang="en-US" dirty="0" smtClean="0"/>
+              <a:t> </a:t>
+            </a:r>
+            <a:r>
+              <a:rPr lang="en-US" altLang="zh-CN" dirty="0" smtClean="0"/>
+              <a:t>are</a:t>
+            </a:r>
+            <a:r>
+              <a:rPr lang="zh-CN" altLang="en-US" dirty="0" smtClean="0"/>
+              <a:t> </a:t>
+            </a:r>
+            <a:r>
+              <a:rPr lang="en-US" altLang="zh-CN" dirty="0" smtClean="0"/>
+              <a:t>many</a:t>
+            </a:r>
+            <a:r>
+              <a:rPr lang="zh-CN" altLang="en-US" dirty="0" smtClean="0"/>
+              <a:t> </a:t>
+            </a:r>
+            <a:r>
+              <a:rPr lang="en-US" altLang="zh-CN" dirty="0" smtClean="0"/>
+              <a:t>powerful</a:t>
+            </a:r>
+            <a:r>
+              <a:rPr lang="zh-CN" altLang="en-US" dirty="0" smtClean="0"/>
+              <a:t> </a:t>
+            </a:r>
+            <a:r>
+              <a:rPr lang="en-US" altLang="zh-CN" dirty="0" smtClean="0"/>
+              <a:t>packages</a:t>
+            </a:r>
+            <a:r>
+              <a:rPr lang="zh-CN" altLang="en-US" dirty="0" smtClean="0"/>
+              <a:t> </a:t>
+            </a:r>
+            <a:r>
+              <a:rPr lang="en-US" altLang="zh-CN" dirty="0" smtClean="0"/>
+              <a:t>available,</a:t>
+            </a:r>
+            <a:r>
+              <a:rPr lang="zh-CN" altLang="en-US" dirty="0" smtClean="0"/>
+              <a:t> </a:t>
+            </a:r>
+            <a:r>
+              <a:rPr lang="en-US" altLang="zh-CN" dirty="0" smtClean="0"/>
+              <a:t>e.g.,</a:t>
+            </a:r>
+            <a:r>
+              <a:rPr lang="zh-CN" altLang="en-US" dirty="0" smtClean="0"/>
+              <a:t> </a:t>
+            </a:r>
+            <a:r>
+              <a:rPr lang="en-US" altLang="zh-CN" dirty="0" err="1" smtClean="0"/>
+              <a:t>numpy</a:t>
+            </a:r>
+            <a:r>
+              <a:rPr lang="zh-CN" altLang="en-US" dirty="0"/>
+              <a:t> </a:t>
+            </a:r>
+            <a:r>
+              <a:rPr lang="en-US" altLang="zh-CN" dirty="0" smtClean="0"/>
+              <a:t>(linear</a:t>
+            </a:r>
+            <a:r>
+              <a:rPr lang="zh-CN" altLang="en-US" dirty="0" smtClean="0"/>
+              <a:t> </a:t>
+            </a:r>
+            <a:r>
+              <a:rPr lang="en-US" altLang="zh-CN" dirty="0" smtClean="0"/>
+              <a:t>algebra),</a:t>
+            </a:r>
+            <a:r>
+              <a:rPr lang="zh-CN" altLang="en-US" dirty="0" smtClean="0"/>
+              <a:t> </a:t>
+            </a:r>
+            <a:r>
+              <a:rPr lang="en-US" altLang="zh-CN" dirty="0" err="1" smtClean="0"/>
+              <a:t>sicpy</a:t>
+            </a:r>
+            <a:r>
+              <a:rPr lang="zh-CN" altLang="en-US" dirty="0" smtClean="0"/>
+              <a:t> </a:t>
+            </a:r>
+            <a:r>
+              <a:rPr lang="en-US" altLang="zh-CN" dirty="0" smtClean="0"/>
+              <a:t>(scientific</a:t>
+            </a:r>
+            <a:r>
+              <a:rPr lang="zh-CN" altLang="en-US" dirty="0" smtClean="0"/>
+              <a:t> </a:t>
+            </a:r>
+            <a:r>
+              <a:rPr lang="en-US" altLang="zh-CN" dirty="0" smtClean="0"/>
+              <a:t>computation),</a:t>
+            </a:r>
+            <a:r>
+              <a:rPr lang="zh-CN" altLang="en-US" dirty="0" smtClean="0"/>
+              <a:t> </a:t>
+            </a:r>
+            <a:r>
+              <a:rPr lang="en-US" altLang="zh-CN" dirty="0" err="1" smtClean="0"/>
+              <a:t>pyplot</a:t>
+            </a:r>
+            <a:r>
+              <a:rPr lang="zh-CN" altLang="en-US" dirty="0" smtClean="0"/>
+              <a:t> </a:t>
+            </a:r>
+            <a:r>
+              <a:rPr lang="en-US" altLang="zh-CN" dirty="0" smtClean="0"/>
+              <a:t>(visualization)</a:t>
+            </a:r>
+          </a:p>
+          <a:p>
+            <a:r>
+              <a:rPr lang="en-US" altLang="zh-CN" dirty="0" smtClean="0"/>
+              <a:t>Object</a:t>
+            </a:r>
+            <a:r>
+              <a:rPr lang="zh-CN" altLang="en-US" dirty="0" smtClean="0"/>
+              <a:t> </a:t>
+            </a:r>
+            <a:r>
+              <a:rPr lang="en-US" altLang="zh-CN" dirty="0" smtClean="0"/>
+              <a:t>orientated</a:t>
+            </a:r>
+            <a:r>
+              <a:rPr lang="zh-CN" altLang="en-US" dirty="0" smtClean="0"/>
+              <a:t> </a:t>
+            </a:r>
+            <a:r>
+              <a:rPr lang="en-US" altLang="zh-CN" dirty="0" smtClean="0"/>
+              <a:t>programming</a:t>
+            </a:r>
+          </a:p>
+          <a:p>
+            <a:r>
+              <a:rPr lang="en-US" altLang="zh-CN" dirty="0" smtClean="0"/>
+              <a:t>Version</a:t>
+            </a:r>
+            <a:r>
+              <a:rPr lang="zh-CN" altLang="en-US" dirty="0" smtClean="0"/>
+              <a:t> </a:t>
+            </a:r>
+            <a:r>
+              <a:rPr lang="en-US" altLang="zh-CN" dirty="0" smtClean="0"/>
+              <a:t>control,</a:t>
+            </a:r>
+            <a:r>
+              <a:rPr lang="zh-CN" altLang="en-US" dirty="0" smtClean="0"/>
+              <a:t> </a:t>
+            </a:r>
+            <a:r>
+              <a:rPr lang="en-US" altLang="zh-CN" dirty="0" err="1" smtClean="0"/>
+              <a:t>Github</a:t>
+            </a:r>
+            <a:r>
+              <a:rPr lang="en-US" altLang="zh-CN" dirty="0" smtClean="0"/>
+              <a:t>,</a:t>
+            </a:r>
+            <a:r>
+              <a:rPr lang="zh-CN" altLang="en-US" dirty="0" smtClean="0"/>
+              <a:t> </a:t>
+            </a:r>
+            <a:r>
+              <a:rPr lang="en-US" altLang="zh-CN" dirty="0" smtClean="0"/>
+              <a:t>collaboration</a:t>
+            </a:r>
+            <a:r>
+              <a:rPr lang="zh-CN" altLang="en-US" dirty="0" smtClean="0"/>
+              <a:t> </a:t>
+            </a:r>
+            <a:r>
+              <a:rPr lang="en-US" altLang="zh-CN" dirty="0" smtClean="0"/>
+              <a:t>between</a:t>
+            </a:r>
+            <a:r>
+              <a:rPr lang="zh-CN" altLang="en-US" dirty="0" smtClean="0"/>
+              <a:t> </a:t>
+            </a:r>
+            <a:r>
+              <a:rPr lang="en-US" altLang="zh-CN" dirty="0" smtClean="0"/>
+              <a:t>6</a:t>
+            </a:r>
+            <a:r>
+              <a:rPr lang="zh-CN" altLang="en-US" dirty="0" smtClean="0"/>
+              <a:t> </a:t>
+            </a:r>
+            <a:r>
+              <a:rPr lang="en-US" altLang="zh-CN" dirty="0" smtClean="0"/>
+              <a:t>group</a:t>
+            </a:r>
+            <a:r>
+              <a:rPr lang="zh-CN" altLang="en-US" dirty="0" smtClean="0"/>
+              <a:t> </a:t>
+            </a:r>
+            <a:r>
+              <a:rPr lang="en-US" altLang="zh-CN" dirty="0" smtClean="0"/>
+              <a:t>members</a:t>
+            </a:r>
+          </a:p>
+          <a:p>
+            <a:endParaRPr lang="en-US" dirty="0"/>
+          </a:p>
+        </p:txBody>
+      </p:sp>
+      <p:pic>
+        <p:nvPicPr>
+          <p:cNvPr id="4" name="Picture 3"/>
+          <p:cNvPicPr>
+            <a:picLocks noChangeAspect="1"/>
+          </p:cNvPicPr>
+          <p:nvPr/>
+        </p:nvPicPr>
+        <p:blipFill>
+          <a:blip r:embed="rId2">
+            <a:extLst>
+              <a:ext uri="{28A0092B-C50C-407E-A947-70E740481C1C}">
+                <a14:useLocalDpi xmlns:a14="http://schemas.microsoft.com/office/drawing/2010/main" val="0"/>
+              </a:ext>
+            </a:extLst>
+          </a:blip>
+          <a:stretch>
+            <a:fillRect/>
+          </a:stretch>
+        </p:blipFill>
+        <p:spPr>
+          <a:xfrm>
+            <a:off x="6192982" y="1658507"/>
+            <a:ext cx="5626100" cy="2921000"/>
+          </a:xfrm>
+          <a:prstGeom prst="rect">
+            <a:avLst/>
+          </a:prstGeom>
+        </p:spPr>
+      </p:pic>
+      <p:sp>
+        <p:nvSpPr>
+          <p:cNvPr id="5" name="TextBox 4"/>
+          <p:cNvSpPr txBox="1"/>
+          <p:nvPr/>
+        </p:nvSpPr>
+        <p:spPr>
+          <a:xfrm>
+            <a:off x="6122075" y="4731802"/>
+            <a:ext cx="5767914" cy="369332"/>
+          </a:xfrm>
+          <a:prstGeom prst="rect">
+            <a:avLst/>
+          </a:prstGeom>
+          <a:noFill/>
+        </p:spPr>
+        <p:txBody>
+          <a:bodyPr wrap="square" rtlCol="0">
+            <a:spAutoFit/>
+          </a:bodyPr>
+          <a:lstStyle/>
+          <a:p>
+            <a:r>
+              <a:rPr lang="en-US" altLang="zh-CN" dirty="0" smtClean="0"/>
+              <a:t>USD</a:t>
+            </a:r>
+            <a:r>
+              <a:rPr lang="zh-CN" altLang="en-US" dirty="0" smtClean="0"/>
+              <a:t> </a:t>
+            </a:r>
+            <a:r>
+              <a:rPr lang="en-US" altLang="zh-CN" dirty="0" smtClean="0"/>
+              <a:t>to</a:t>
+            </a:r>
+            <a:r>
+              <a:rPr lang="zh-CN" altLang="en-US" dirty="0" smtClean="0"/>
+              <a:t> </a:t>
+            </a:r>
+            <a:r>
+              <a:rPr lang="en-US" altLang="zh-CN" dirty="0" smtClean="0"/>
+              <a:t>CNY</a:t>
+            </a:r>
+            <a:r>
+              <a:rPr lang="zh-CN" altLang="en-US" dirty="0" smtClean="0"/>
+              <a:t> </a:t>
+            </a:r>
+            <a:r>
+              <a:rPr lang="en-US" altLang="zh-CN" dirty="0" smtClean="0"/>
+              <a:t>exchange</a:t>
+            </a:r>
+            <a:r>
+              <a:rPr lang="zh-CN" altLang="en-US" dirty="0" smtClean="0"/>
+              <a:t> </a:t>
+            </a:r>
+            <a:r>
+              <a:rPr lang="en-US" altLang="zh-CN" dirty="0" smtClean="0"/>
+              <a:t>rate,</a:t>
+            </a:r>
+            <a:r>
+              <a:rPr lang="zh-CN" altLang="en-US" dirty="0" smtClean="0"/>
+              <a:t> </a:t>
+            </a:r>
+            <a:r>
+              <a:rPr lang="en-US" altLang="zh-CN" dirty="0" smtClean="0"/>
+              <a:t>Nov</a:t>
+            </a:r>
+            <a:r>
+              <a:rPr lang="zh-CN" altLang="en-US" dirty="0" smtClean="0"/>
+              <a:t>  </a:t>
+            </a:r>
+            <a:r>
+              <a:rPr lang="en-US" altLang="zh-CN" dirty="0" smtClean="0"/>
+              <a:t>2015-Nov</a:t>
+            </a:r>
+            <a:r>
+              <a:rPr lang="zh-CN" altLang="en-US" dirty="0" smtClean="0"/>
+              <a:t> </a:t>
+            </a:r>
+            <a:r>
+              <a:rPr lang="en-US" altLang="zh-CN" dirty="0" smtClean="0"/>
+              <a:t>2016.</a:t>
+            </a:r>
+            <a:r>
+              <a:rPr lang="zh-CN" altLang="en-US" dirty="0" smtClean="0"/>
+              <a:t> </a:t>
+            </a:r>
+            <a:r>
+              <a:rPr lang="en-US" altLang="zh-CN" dirty="0" smtClean="0"/>
+              <a:t>Yahoo</a:t>
+            </a:r>
+            <a:endParaRPr lang="en-US" dirty="0"/>
+          </a:p>
+        </p:txBody>
+      </p:sp>
+    </p:spTree>
+    <p:extLst>
+      <p:ext uri="{BB962C8B-B14F-4D97-AF65-F5344CB8AC3E}">
+        <p14:creationId xmlns:p14="http://schemas.microsoft.com/office/powerpoint/2010/main" val="1168873451"/>
       </p:ext>
     </p:extLst>
   </p:cSld>
@@ -6166,4 +6496,265 @@
     </a:ext>
   </a:extLst>
 </a:theme>
+</file>
+
+<file path=ppt/theme/theme2.xml><?xml version="1.0" encoding="utf-8"?>
+<a:theme xmlns:a="http://schemas.openxmlformats.org/drawingml/2006/main" name="Office Theme">
+  <a:themeElements>
+    <a:clrScheme name="Office">
+      <a:dk1>
+        <a:sysClr val="windowText" lastClr="000000"/>
+      </a:dk1>
+      <a:lt1>
+        <a:sysClr val="window" lastClr="FFFFFF"/>
+      </a:lt1>
+      <a:dk2>
+        <a:srgbClr val="44546A"/>
+      </a:dk2>
+      <a:lt2>
+        <a:srgbClr val="E7E6E6"/>
+      </a:lt2>
+      <a:accent1>
+        <a:srgbClr val="5B9BD5"/>
+      </a:accent1>
+      <a:accent2>
+        <a:srgbClr val="ED7D31"/>
+      </a:accent2>
+      <a:accent3>
+        <a:srgbClr val="A5A5A5"/>
+      </a:accent3>
+      <a:accent4>
+        <a:srgbClr val="FFC000"/>
+      </a:accent4>
+      <a:accent5>
+        <a:srgbClr val="4472C4"/>
+      </a:accent5>
+      <a:accent6>
+        <a:srgbClr val="70AD47"/>
+      </a:accent6>
+      <a:hlink>
+        <a:srgbClr val="0563C1"/>
+      </a:hlink>
+      <a:folHlink>
+        <a:srgbClr val="954F72"/>
+      </a:folHlink>
+    </a:clrScheme>
+    <a:fontScheme name="Office">
+      <a:majorFont>
+        <a:latin typeface="Calibri Light" panose="020F0302020204030204"/>
+        <a:ea typeface=""/>
+        <a:cs typeface=""/>
+        <a:font script="Jpan" typeface="Yu Gothic Light"/>
+        <a:font script="Hang" typeface="맑은 고딕"/>
+        <a:font script="Hans" typeface="DengXian Light"/>
+        <a:font script="Hant" typeface="新細明體"/>
+        <a:font script="Arab" typeface="Times New Roman"/>
+        <a:font script="Hebr" typeface="Times New Roman"/>
+        <a:font script="Thai" typeface="Angsana New"/>
+        <a:font script="Ethi" typeface="Nyala"/>
+        <a:font script="Beng" typeface="Vrinda"/>
+        <a:font script="Gujr" typeface="Shruti"/>
+        <a:font script="Khmr" typeface="MoolBoran"/>
+        <a:font script="Knda" typeface="Tunga"/>
+        <a:font script="Guru" typeface="Raavi"/>
+        <a:font script="Cans" typeface="Euphemia"/>
+        <a:font script="Cher" typeface="Plantagenet Cherokee"/>
+        <a:font script="Yiii" typeface="Microsoft Yi Baiti"/>
+        <a:font script="Tibt" typeface="Microsoft Himalaya"/>
+        <a:font script="Thaa" typeface="MV Boli"/>
+        <a:font script="Deva" typeface="Mangal"/>
+        <a:font script="Telu" typeface="Gautami"/>
+        <a:font script="Taml" typeface="Latha"/>
+        <a:font script="Syrc" typeface="Estrangelo Edessa"/>
+        <a:font script="Orya" typeface="Kalinga"/>
+        <a:font script="Mlym" typeface="Kartika"/>
+        <a:font script="Laoo" typeface="DokChampa"/>
+        <a:font script="Sinh" typeface="Iskoola Pota"/>
+        <a:font script="Mong" typeface="Mongolian Baiti"/>
+        <a:font script="Viet" typeface="Times New Roman"/>
+        <a:font script="Uigh" typeface="Microsoft Uighur"/>
+        <a:font script="Geor" typeface="Sylfaen"/>
+      </a:majorFont>
+      <a:minorFont>
+        <a:latin typeface="Calibri" panose="020F0502020204030204"/>
+        <a:ea typeface=""/>
+        <a:cs typeface=""/>
+        <a:font script="Jpan" typeface="Yu Gothic"/>
+        <a:font script="Hang" typeface="맑은 고딕"/>
+        <a:font script="Hans" typeface="DengXian"/>
+        <a:font script="Hant" typeface="新細明體"/>
+        <a:font script="Arab" typeface="Arial"/>
+        <a:font script="Hebr" typeface="Arial"/>
+        <a:font script="Thai" typeface="Cordia New"/>
+        <a:font script="Ethi" typeface="Nyala"/>
+        <a:font script="Beng" typeface="Vrinda"/>
+        <a:font script="Gujr" typeface="Shruti"/>
+        <a:font script="Khmr" typeface="DaunPenh"/>
+        <a:font script="Knda" typeface="Tunga"/>
+        <a:font script="Guru" typeface="Raavi"/>
+        <a:font script="Cans" typeface="Euphemia"/>
+        <a:font script="Cher" typeface="Plantagenet Cherokee"/>
+        <a:font script="Yiii" typeface="Microsoft Yi Baiti"/>
+        <a:font script="Tibt" typeface="Microsoft Himalaya"/>
+        <a:font script="Thaa" typeface="MV Boli"/>
+        <a:font script="Deva" typeface="Mangal"/>
+        <a:font script="Telu" typeface="Gautami"/>
+        <a:font script="Taml" typeface="Latha"/>
+        <a:font script="Syrc" typeface="Estrangelo Edessa"/>
+        <a:font script="Orya" typeface="Kalinga"/>
+        <a:font script="Mlym" typeface="Kartika"/>
+        <a:font script="Laoo" typeface="DokChampa"/>
+        <a:font script="Sinh" typeface="Iskoola Pota"/>
+        <a:font script="Mong" typeface="Mongolian Baiti"/>
+        <a:font script="Viet" typeface="Arial"/>
+        <a:font script="Uigh" typeface="Microsoft Uighur"/>
+        <a:font script="Geor" typeface="Sylfaen"/>
+      </a:minorFont>
+    </a:fontScheme>
+    <a:fmtScheme name="Office">
+      <a:fillStyleLst>
+        <a:solidFill>
+          <a:schemeClr val="phClr"/>
+        </a:solidFill>
+        <a:gradFill rotWithShape="1">
+          <a:gsLst>
+            <a:gs pos="0">
+              <a:schemeClr val="phClr">
+                <a:lumMod val="110000"/>
+                <a:satMod val="105000"/>
+                <a:tint val="67000"/>
+              </a:schemeClr>
+            </a:gs>
+            <a:gs pos="50000">
+              <a:schemeClr val="phClr">
+                <a:lumMod val="105000"/>
+                <a:satMod val="103000"/>
+                <a:tint val="73000"/>
+              </a:schemeClr>
+            </a:gs>
+            <a:gs pos="100000">
+              <a:schemeClr val="phClr">
+                <a:lumMod val="105000"/>
+                <a:satMod val="109000"/>
+                <a:tint val="81000"/>
+              </a:schemeClr>
+            </a:gs>
+          </a:gsLst>
+          <a:lin ang="5400000" scaled="0"/>
+        </a:gradFill>
+        <a:gradFill rotWithShape="1">
+          <a:gsLst>
+            <a:gs pos="0">
+              <a:schemeClr val="phClr">
+                <a:satMod val="103000"/>
+                <a:lumMod val="102000"/>
+                <a:tint val="94000"/>
+              </a:schemeClr>
+            </a:gs>
+            <a:gs pos="50000">
+              <a:schemeClr val="phClr">
+                <a:satMod val="110000"/>
+                <a:lumMod val="100000"/>
+                <a:shade val="100000"/>
+              </a:schemeClr>
+            </a:gs>
+            <a:gs pos="100000">
+              <a:schemeClr val="phClr">
+                <a:lumMod val="99000"/>
+                <a:satMod val="120000"/>
+                <a:shade val="78000"/>
+              </a:schemeClr>
+            </a:gs>
+          </a:gsLst>
+          <a:lin ang="5400000" scaled="0"/>
+        </a:gradFill>
+      </a:fillStyleLst>
+      <a:lnStyleLst>
+        <a:ln w="6350" cap="flat" cmpd="sng" algn="ctr">
+          <a:solidFill>
+            <a:schemeClr val="phClr"/>
+          </a:solidFill>
+          <a:prstDash val="solid"/>
+          <a:miter lim="800000"/>
+        </a:ln>
+        <a:ln w="12700" cap="flat" cmpd="sng" algn="ctr">
+          <a:solidFill>
+            <a:schemeClr val="phClr"/>
+          </a:solidFill>
+          <a:prstDash val="solid"/>
+          <a:miter lim="800000"/>
+        </a:ln>
+        <a:ln w="19050" cap="flat" cmpd="sng" algn="ctr">
+          <a:solidFill>
+            <a:schemeClr val="phClr"/>
+          </a:solidFill>
+          <a:prstDash val="solid"/>
+          <a:miter lim="800000"/>
+        </a:ln>
+      </a:lnStyleLst>
+      <a:effectStyleLst>
+        <a:effectStyle>
+          <a:effectLst/>
+        </a:effectStyle>
+        <a:effectStyle>
+          <a:effectLst/>
+        </a:effectStyle>
+        <a:effectStyle>
+          <a:effectLst>
+            <a:outerShdw blurRad="57150" dist="19050" dir="5400000" algn="ctr" rotWithShape="0">
+              <a:srgbClr val="000000">
+                <a:alpha val="63000"/>
+              </a:srgbClr>
+            </a:outerShdw>
+          </a:effectLst>
+        </a:effectStyle>
+      </a:effectStyleLst>
+      <a:bgFillStyleLst>
+        <a:solidFill>
+          <a:schemeClr val="phClr"/>
+        </a:solidFill>
+        <a:solidFill>
+          <a:schemeClr val="phClr">
+            <a:tint val="95000"/>
+            <a:satMod val="170000"/>
+          </a:schemeClr>
+        </a:solidFill>
+        <a:gradFill rotWithShape="1">
+          <a:gsLst>
+            <a:gs pos="0">
+              <a:schemeClr val="phClr">
+                <a:tint val="93000"/>
+                <a:satMod val="150000"/>
+                <a:shade val="98000"/>
+                <a:lumMod val="102000"/>
+              </a:schemeClr>
+            </a:gs>
+            <a:gs pos="50000">
+              <a:schemeClr val="phClr">
+                <a:tint val="98000"/>
+                <a:satMod val="130000"/>
+                <a:shade val="90000"/>
+                <a:lumMod val="103000"/>
+              </a:schemeClr>
+            </a:gs>
+            <a:gs pos="100000">
+              <a:schemeClr val="phClr">
+                <a:shade val="63000"/>
+                <a:satMod val="120000"/>
+              </a:schemeClr>
+            </a:gs>
+          </a:gsLst>
+          <a:lin ang="5400000" scaled="0"/>
+        </a:gradFill>
+      </a:bgFillStyleLst>
+    </a:fmtScheme>
+  </a:themeElements>
+  <a:objectDefaults/>
+  <a:extraClrSchemeLst/>
+  <a:extLst>
+    <a:ext uri="{05A4C25C-085E-4340-85A3-A5531E510DB2}">
+      <thm15:themeFamily xmlns:thm15="http://schemas.microsoft.com/office/thememl/2012/main" name="Office Theme" id="{62F939B6-93AF-4DB8-9C6B-D6C7DFDC589F}" vid="{4A3C46E8-61CC-4603-A589-7422A47A8E4A}"/>
+    </a:ext>
+  </a:extLst>
+</a:theme>
 </file>
--- a/doc/presentation/pre.pptx
+++ b/doc/presentation/pre.pptx
@@ -114,6 +114,11 @@
       </a:defRPr>
     </a:lvl9pPr>
   </p:defaultTextStyle>
+  <p:extLst>
+    <p:ext uri="{EFAFB233-063F-42B5-8137-9DF3F51BA10A}">
+      <p15:sldGuideLst xmlns:p15="http://schemas.microsoft.com/office/powerpoint/2012/main"/>
+    </p:ext>
+  </p:extLst>
 </p:presentation>
 </file>
 
@@ -199,7 +204,7 @@
           <a:p>
             <a:fld id="{3CE849ED-6AF1-F648-A63F-F5D0DB6D0E0B}" type="datetimeFigureOut">
               <a:rPr lang="en-US" smtClean="0"/>
-              <a:t>1/11/17</a:t>
+              <a:t>1/12/17</a:t>
             </a:fld>
             <a:endParaRPr lang="en-US"/>
           </a:p>
@@ -637,7 +642,7 @@
             <a:fld id="{87DE6118-2437-4B30-8E3C-4D2BE6020583}" type="datetimeFigureOut">
               <a:rPr lang="en-US" dirty="0"/>
               <a:pPr/>
-              <a:t>1/11/17</a:t>
+              <a:t>1/12/17</a:t>
             </a:fld>
             <a:endParaRPr lang="en-US" dirty="0"/>
           </a:p>
@@ -963,7 +968,7 @@
           <a:p>
             <a:fld id="{87DE6118-2437-4B30-8E3C-4D2BE6020583}" type="datetimeFigureOut">
               <a:rPr lang="en-US" dirty="0"/>
-              <a:t>1/11/17</a:t>
+              <a:t>1/12/17</a:t>
             </a:fld>
             <a:endParaRPr lang="en-US" dirty="0"/>
           </a:p>
@@ -1138,7 +1143,7 @@
           <a:p>
             <a:fld id="{87DE6118-2437-4B30-8E3C-4D2BE6020583}" type="datetimeFigureOut">
               <a:rPr lang="en-US" dirty="0"/>
-              <a:t>1/11/17</a:t>
+              <a:t>1/12/17</a:t>
             </a:fld>
             <a:endParaRPr lang="en-US" dirty="0"/>
           </a:p>
@@ -1303,7 +1308,7 @@
           <a:p>
             <a:fld id="{87DE6118-2437-4B30-8E3C-4D2BE6020583}" type="datetimeFigureOut">
               <a:rPr lang="en-US" dirty="0"/>
-              <a:t>1/11/17</a:t>
+              <a:t>1/12/17</a:t>
             </a:fld>
             <a:endParaRPr lang="en-US" dirty="0"/>
           </a:p>
@@ -1576,7 +1581,7 @@
             <a:fld id="{87DE6118-2437-4B30-8E3C-4D2BE6020583}" type="datetimeFigureOut">
               <a:rPr lang="en-US" dirty="0"/>
               <a:pPr/>
-              <a:t>1/11/17</a:t>
+              <a:t>1/12/17</a:t>
             </a:fld>
             <a:endParaRPr lang="en-US" dirty="0"/>
           </a:p>
@@ -1966,7 +1971,7 @@
           <a:p>
             <a:fld id="{87DE6118-2437-4B30-8E3C-4D2BE6020583}" type="datetimeFigureOut">
               <a:rPr lang="en-US" dirty="0"/>
-              <a:t>1/11/17</a:t>
+              <a:t>1/12/17</a:t>
             </a:fld>
             <a:endParaRPr lang="en-US" dirty="0"/>
           </a:p>
@@ -2438,7 +2443,7 @@
           <a:p>
             <a:fld id="{87DE6118-2437-4B30-8E3C-4D2BE6020583}" type="datetimeFigureOut">
               <a:rPr lang="en-US" dirty="0"/>
-              <a:t>1/11/17</a:t>
+              <a:t>1/12/17</a:t>
             </a:fld>
             <a:endParaRPr lang="en-US" dirty="0"/>
           </a:p>
@@ -2551,7 +2556,7 @@
           <a:p>
             <a:fld id="{87DE6118-2437-4B30-8E3C-4D2BE6020583}" type="datetimeFigureOut">
               <a:rPr lang="en-US" dirty="0"/>
-              <a:t>1/11/17</a:t>
+              <a:t>1/12/17</a:t>
             </a:fld>
             <a:endParaRPr lang="en-US" dirty="0"/>
           </a:p>
@@ -2641,7 +2646,7 @@
           <a:p>
             <a:fld id="{87DE6118-2437-4B30-8E3C-4D2BE6020583}" type="datetimeFigureOut">
               <a:rPr lang="en-US" dirty="0"/>
-              <a:t>1/11/17</a:t>
+              <a:t>1/12/17</a:t>
             </a:fld>
             <a:endParaRPr lang="en-US" dirty="0"/>
           </a:p>
@@ -2983,7 +2988,7 @@
             <a:fld id="{87DE6118-2437-4B30-8E3C-4D2BE6020583}" type="datetimeFigureOut">
               <a:rPr lang="en-US" dirty="0"/>
               <a:pPr/>
-              <a:t>1/11/17</a:t>
+              <a:t>1/12/17</a:t>
             </a:fld>
             <a:endParaRPr lang="en-US" dirty="0"/>
           </a:p>
@@ -3368,7 +3373,7 @@
             <a:fld id="{87DE6118-2437-4B30-8E3C-4D2BE6020583}" type="datetimeFigureOut">
               <a:rPr lang="en-US" dirty="0"/>
               <a:pPr/>
-              <a:t>1/11/17</a:t>
+              <a:t>1/12/17</a:t>
             </a:fld>
             <a:endParaRPr lang="en-US" dirty="0"/>
           </a:p>
@@ -3643,7 +3648,7 @@
             <a:fld id="{87DE6118-2437-4B30-8E3C-4D2BE6020583}" type="datetimeFigureOut">
               <a:rPr lang="en-US" dirty="0"/>
               <a:pPr/>
-              <a:t>1/11/17</a:t>
+              <a:t>1/12/17</a:t>
             </a:fld>
             <a:endParaRPr lang="en-US" dirty="0"/>
           </a:p>
@@ -4389,14 +4394,6 @@
             <a:pPr algn="ctr"/>
             <a:r>
               <a:rPr lang="en-US" altLang="zh-CN" dirty="0" smtClean="0"/>
-              <a:t>Sales,</a:t>
-            </a:r>
-            <a:r>
-              <a:rPr lang="zh-CN" altLang="en-US" dirty="0" smtClean="0"/>
-              <a:t> </a:t>
-            </a:r>
-            <a:r>
-              <a:rPr lang="en-US" altLang="zh-CN" dirty="0" smtClean="0"/>
               <a:t>Trading,</a:t>
             </a:r>
             <a:r>
@@ -4406,6 +4403,10 @@
             <a:r>
               <a:rPr lang="en-US" altLang="zh-CN" dirty="0" smtClean="0"/>
               <a:t>Research</a:t>
+            </a:r>
+            <a:r>
+              <a:rPr lang="en-US" altLang="zh-CN" smtClean="0"/>
+              <a:t>, Product</a:t>
             </a:r>
             <a:endParaRPr lang="en-US" dirty="0"/>
           </a:p>
@@ -4525,7 +4526,7 @@
             </a:r>
             <a:r>
               <a:rPr lang="en-US" altLang="zh-CN" dirty="0" smtClean="0"/>
-              <a:t>definition</a:t>
+              <a:t>Basics</a:t>
             </a:r>
             <a:endParaRPr lang="en-US" dirty="0"/>
           </a:p>
@@ -4549,7 +4550,7 @@
         </p:spPr>
         <p:txBody>
           <a:bodyPr>
-            <a:normAutofit/>
+            <a:normAutofit lnSpcReduction="10000"/>
           </a:bodyPr>
           <a:lstStyle/>
           <a:p>
@@ -4563,22 +4564,6 @@
             </a:r>
             <a:r>
               <a:rPr lang="en-US" altLang="zh-CN" dirty="0" smtClean="0"/>
-              <a:t>aim</a:t>
-            </a:r>
-            <a:r>
-              <a:rPr lang="zh-CN" altLang="en-US" dirty="0" smtClean="0"/>
-              <a:t> </a:t>
-            </a:r>
-            <a:r>
-              <a:rPr lang="en-US" altLang="zh-CN" dirty="0" smtClean="0"/>
-              <a:t>to</a:t>
-            </a:r>
-            <a:r>
-              <a:rPr lang="zh-CN" altLang="en-US" dirty="0" smtClean="0"/>
-              <a:t> </a:t>
-            </a:r>
-            <a:r>
-              <a:rPr lang="en-US" altLang="zh-CN" dirty="0" smtClean="0"/>
               <a:t>provide</a:t>
             </a:r>
             <a:r>
@@ -4683,8 +4668,9 @@
             </a:r>
             <a:r>
               <a:rPr lang="en-US" altLang="zh-CN" dirty="0" smtClean="0"/>
-              <a:t>price</a:t>
-            </a:r>
+              <a:t>price, in order to replicate businesses in investment bank, such as trading, research and product.</a:t>
+            </a:r>
+            <a:endParaRPr lang="en-US" altLang="zh-CN" dirty="0" smtClean="0"/>
           </a:p>
           <a:p>
             <a:endParaRPr lang="en-US" altLang="zh-CN" dirty="0"/>
@@ -4847,7 +4833,7 @@
             </a:r>
             <a:r>
               <a:rPr lang="en-US" altLang="zh-CN" dirty="0" err="1" smtClean="0"/>
-              <a:t>sicpy</a:t>
+              <a:t>scipy</a:t>
             </a:r>
             <a:r>
               <a:rPr lang="zh-CN" altLang="en-US" dirty="0" smtClean="0"/>
@@ -5767,6 +5753,7 @@
               <a:rPr lang="en-US" altLang="zh-CN" dirty="0" smtClean="0"/>
               <a:t>Ma)</a:t>
             </a:r>
+            <a:endParaRPr lang="en-US" altLang="zh-CN" dirty="0" smtClean="0"/>
           </a:p>
           <a:p>
             <a:r>
@@ -5813,6 +5800,7 @@
               <a:rPr lang="en-US" altLang="zh-CN" dirty="0" smtClean="0"/>
               <a:t>Gong)</a:t>
             </a:r>
+            <a:endParaRPr lang="en-US" altLang="zh-CN" dirty="0" smtClean="0"/>
           </a:p>
           <a:p>
             <a:r>
@@ -5848,7 +5836,7 @@
               <a:t> </a:t>
             </a:r>
             <a:r>
-              <a:rPr lang="en-US" altLang="zh-CN" dirty="0" err="1" smtClean="0"/>
+              <a:rPr lang="en-US" altLang="zh-CN" dirty="0" smtClean="0"/>
               <a:t>Zongxi</a:t>
             </a:r>
             <a:r>
@@ -5859,6 +5847,7 @@
               <a:rPr lang="en-US" altLang="zh-CN" dirty="0" smtClean="0"/>
               <a:t>Li)</a:t>
             </a:r>
+            <a:endParaRPr lang="en-US" altLang="zh-CN" dirty="0" smtClean="0"/>
           </a:p>
           <a:p>
             <a:r>
@@ -5897,6 +5886,7 @@
               <a:rPr lang="en-US" altLang="zh-CN" dirty="0" smtClean="0"/>
               <a:t>Yang)</a:t>
             </a:r>
+            <a:endParaRPr lang="en-US" altLang="zh-CN" dirty="0" smtClean="0"/>
           </a:p>
           <a:p>
             <a:r>
@@ -5932,7 +5922,7 @@
               <a:t> </a:t>
             </a:r>
             <a:r>
-              <a:rPr lang="en-US" altLang="zh-CN" dirty="0" smtClean="0"/>
+              <a:rPr lang="en-US" altLang="zh-CN" dirty="0" err="1" smtClean="0"/>
               <a:t>Hao</a:t>
             </a:r>
             <a:r>
@@ -5943,6 +5933,7 @@
               <a:rPr lang="en-US" altLang="zh-CN" dirty="0" smtClean="0"/>
               <a:t>Zhang)</a:t>
             </a:r>
+            <a:endParaRPr lang="en-US" altLang="zh-CN" dirty="0" smtClean="0"/>
           </a:p>
           <a:p>
             <a:r>

--- a/doc/presentation/pre.pptx
+++ b/doc/presentation/pre.pptx
@@ -4670,7 +4670,6 @@
               <a:rPr lang="en-US" altLang="zh-CN" dirty="0" smtClean="0"/>
               <a:t>price, in order to replicate businesses in investment bank, such as trading, research and product.</a:t>
             </a:r>
-            <a:endParaRPr lang="en-US" altLang="zh-CN" dirty="0" smtClean="0"/>
           </a:p>
           <a:p>
             <a:endParaRPr lang="en-US" altLang="zh-CN" dirty="0"/>
@@ -5753,7 +5752,6 @@
               <a:rPr lang="en-US" altLang="zh-CN" dirty="0" smtClean="0"/>
               <a:t>Ma)</a:t>
             </a:r>
-            <a:endParaRPr lang="en-US" altLang="zh-CN" dirty="0" smtClean="0"/>
           </a:p>
           <a:p>
             <a:r>
@@ -5800,7 +5798,6 @@
               <a:rPr lang="en-US" altLang="zh-CN" dirty="0" smtClean="0"/>
               <a:t>Gong)</a:t>
             </a:r>
-            <a:endParaRPr lang="en-US" altLang="zh-CN" dirty="0" smtClean="0"/>
           </a:p>
           <a:p>
             <a:r>
@@ -5847,7 +5844,6 @@
               <a:rPr lang="en-US" altLang="zh-CN" dirty="0" smtClean="0"/>
               <a:t>Li)</a:t>
             </a:r>
-            <a:endParaRPr lang="en-US" altLang="zh-CN" dirty="0" smtClean="0"/>
           </a:p>
           <a:p>
             <a:r>
@@ -5886,7 +5882,6 @@
               <a:rPr lang="en-US" altLang="zh-CN" dirty="0" smtClean="0"/>
               <a:t>Yang)</a:t>
             </a:r>
-            <a:endParaRPr lang="en-US" altLang="zh-CN" dirty="0" smtClean="0"/>
           </a:p>
           <a:p>
             <a:r>
@@ -5933,7 +5928,6 @@
               <a:rPr lang="en-US" altLang="zh-CN" dirty="0" smtClean="0"/>
               <a:t>Zhang)</a:t>
             </a:r>
-            <a:endParaRPr lang="en-US" altLang="zh-CN" dirty="0" smtClean="0"/>
           </a:p>
           <a:p>
             <a:r>
@@ -5953,16 +5947,8 @@
               <a:t> </a:t>
             </a:r>
             <a:r>
-              <a:rPr lang="en-US" altLang="zh-CN" dirty="0" smtClean="0"/>
-              <a:t>(S&amp;P</a:t>
-            </a:r>
-            <a:r>
-              <a:rPr lang="zh-CN" altLang="en-US" dirty="0" smtClean="0"/>
-              <a:t> </a:t>
-            </a:r>
-            <a:r>
-              <a:rPr lang="en-US" altLang="zh-CN" dirty="0" smtClean="0"/>
-              <a:t>500,</a:t>
+              <a:rPr lang="en-US" altLang="zh-CN" smtClean="0"/>
+              <a:t>(Google stock,</a:t>
             </a:r>
             <a:r>
               <a:rPr lang="zh-CN" altLang="en-US" dirty="0" smtClean="0"/>
@@ -6183,8 +6169,17 @@
             </a:r>
             <a:r>
               <a:rPr lang="en-US" altLang="zh-CN" dirty="0" smtClean="0"/>
-              <a:t>tools</a:t>
-            </a:r>
+              <a:t>tools, </a:t>
+            </a:r>
+            <a:r>
+              <a:rPr lang="en-US" altLang="zh-CN" dirty="0" err="1" smtClean="0"/>
+              <a:t>Ipython</a:t>
+            </a:r>
+            <a:r>
+              <a:rPr lang="en-US" altLang="zh-CN" dirty="0" smtClean="0"/>
+              <a:t> notebooks </a:t>
+            </a:r>
+            <a:endParaRPr lang="en-US" altLang="zh-CN" dirty="0" smtClean="0"/>
           </a:p>
           <a:p>
             <a:r>
@@ -6206,6 +6201,16 @@
             <a:r>
               <a:rPr lang="en-US" altLang="zh-CN" dirty="0" smtClean="0"/>
               <a:t>programming</a:t>
+            </a:r>
+          </a:p>
+          <a:p>
+            <a:r>
+              <a:rPr lang="en-US" altLang="zh-CN" dirty="0" err="1" smtClean="0"/>
+              <a:t>Cython</a:t>
+            </a:r>
+            <a:r>
+              <a:rPr lang="en-US" altLang="zh-CN" dirty="0" smtClean="0"/>
+              <a:t>: integration of C code and Python code</a:t>
             </a:r>
             <a:endParaRPr lang="en-US" dirty="0"/>
           </a:p>
